--- a/php-fw7/lesson7b-game.pptx
+++ b/php-fw7/lesson7b-game.pptx
@@ -5,22 +5,26 @@
     <p:sldMasterId id="2147484302" r:id="rId1"/>
   </p:sldMasterIdLst>
   <p:notesMasterIdLst>
-    <p:notesMasterId r:id="rId12"/>
+    <p:notesMasterId r:id="rId16"/>
   </p:notesMasterIdLst>
   <p:handoutMasterIdLst>
-    <p:handoutMasterId r:id="rId13"/>
+    <p:handoutMasterId r:id="rId17"/>
   </p:handoutMasterIdLst>
   <p:sldIdLst>
     <p:sldId id="256" r:id="rId2"/>
     <p:sldId id="399" r:id="rId3"/>
     <p:sldId id="408" r:id="rId4"/>
-    <p:sldId id="401" r:id="rId5"/>
-    <p:sldId id="403" r:id="rId6"/>
-    <p:sldId id="402" r:id="rId7"/>
-    <p:sldId id="405" r:id="rId8"/>
-    <p:sldId id="406" r:id="rId9"/>
-    <p:sldId id="407" r:id="rId10"/>
-    <p:sldId id="398" r:id="rId11"/>
+    <p:sldId id="409" r:id="rId5"/>
+    <p:sldId id="410" r:id="rId6"/>
+    <p:sldId id="411" r:id="rId7"/>
+    <p:sldId id="412" r:id="rId8"/>
+    <p:sldId id="413" r:id="rId9"/>
+    <p:sldId id="414" r:id="rId10"/>
+    <p:sldId id="415" r:id="rId11"/>
+    <p:sldId id="416" r:id="rId12"/>
+    <p:sldId id="417" r:id="rId13"/>
+    <p:sldId id="418" r:id="rId14"/>
+    <p:sldId id="398" r:id="rId15"/>
   </p:sldIdLst>
   <p:sldSz cx="9144000" cy="6858000" type="screen4x3"/>
   <p:notesSz cx="6858000" cy="9144000"/>
@@ -5916,7 +5920,7 @@
                   <a:spcPct val="0"/>
                 </a:spcBef>
               </a:pPr>
-              <a:t>10</a:t>
+              <a:t>14</a:t>
             </a:fld>
             <a:endParaRPr kumimoji="0" lang="en-US" altLang="zh-TW"/>
           </a:p>
@@ -12854,9 +12858,18 @@
   <p:clrMapOvr>
     <a:masterClrMapping/>
   </p:clrMapOvr>
-  <p:transition>
-    <p:cut/>
-  </p:transition>
+  <mc:AlternateContent xmlns:mc="http://schemas.openxmlformats.org/markup-compatibility/2006">
+    <mc:Choice xmlns:p14="http://schemas.microsoft.com/office/powerpoint/2010/main" Requires="p14">
+      <p:transition spd="slow" p14:dur="1500">
+        <p:random/>
+      </p:transition>
+    </mc:Choice>
+    <mc:Fallback>
+      <p:transition spd="slow">
+        <p:random/>
+      </p:transition>
+    </mc:Fallback>
+  </mc:AlternateContent>
   <p:timing>
     <p:tnLst>
       <p:par>
@@ -13051,6 +13064,1102 @@
       </p:grpSpPr>
       <p:sp>
         <p:nvSpPr>
+          <p:cNvPr id="2" name="Title 1"/>
+          <p:cNvSpPr>
+            <a:spLocks noGrp="1"/>
+          </p:cNvSpPr>
+          <p:nvPr>
+            <p:ph type="title"/>
+          </p:nvPr>
+        </p:nvSpPr>
+        <p:spPr/>
+        <p:txBody>
+          <a:bodyPr/>
+          <a:lstStyle/>
+          <a:p>
+            <a:r>
+              <a:rPr lang="en-US" dirty="0" smtClean="0"/>
+              <a:t>Fire Attack</a:t>
+            </a:r>
+            <a:endParaRPr lang="en-US" dirty="0"/>
+          </a:p>
+        </p:txBody>
+      </p:sp>
+      <p:sp>
+        <p:nvSpPr>
+          <p:cNvPr id="3" name="Content Placeholder 2"/>
+          <p:cNvSpPr>
+            <a:spLocks noGrp="1"/>
+          </p:cNvSpPr>
+          <p:nvPr>
+            <p:ph idx="1"/>
+          </p:nvPr>
+        </p:nvSpPr>
+        <p:spPr/>
+        <p:txBody>
+          <a:bodyPr/>
+          <a:lstStyle/>
+          <a:p>
+            <a:r>
+              <a:rPr lang="en-US" dirty="0" smtClean="0"/>
+              <a:t>Some enemies may have stronger special attacks. We can include them by creating a method </a:t>
+            </a:r>
+            <a:r>
+              <a:rPr lang="en-US" b="1" u="sng" dirty="0" smtClean="0"/>
+              <a:t>in the child class “Enemy</a:t>
+            </a:r>
+            <a:r>
+              <a:rPr lang="en-US" b="1" u="sng" dirty="0" smtClean="0"/>
+              <a:t>” only</a:t>
+            </a:r>
+            <a:r>
+              <a:rPr lang="en-US" dirty="0" smtClean="0"/>
+              <a:t>. </a:t>
+            </a:r>
+            <a:r>
+              <a:rPr lang="en-US" dirty="0" smtClean="0"/>
+              <a:t>Here is the method of </a:t>
+            </a:r>
+            <a:r>
+              <a:rPr lang="en-US" b="1" u="sng" dirty="0" smtClean="0"/>
+              <a:t>fire attack</a:t>
+            </a:r>
+            <a:r>
+              <a:rPr lang="en-US" dirty="0" smtClean="0"/>
+              <a:t>: (game14.php)</a:t>
+            </a:r>
+          </a:p>
+          <a:p>
+            <a:pPr marL="457200" lvl="1" indent="0">
+              <a:buNone/>
+            </a:pPr>
+            <a:r>
+              <a:rPr lang="en-US" dirty="0"/>
+              <a:t>function </a:t>
+            </a:r>
+            <a:r>
+              <a:rPr lang="en-US" dirty="0" err="1"/>
+              <a:t>fireAttack</a:t>
+            </a:r>
+            <a:r>
+              <a:rPr lang="en-US" dirty="0"/>
+              <a:t>(){</a:t>
+            </a:r>
+          </a:p>
+          <a:p>
+            <a:pPr marL="457200" lvl="1" indent="0">
+              <a:buNone/>
+            </a:pPr>
+            <a:r>
+              <a:rPr lang="en-US" dirty="0"/>
+              <a:t>	$hit=$this-&gt;attack*2;</a:t>
+            </a:r>
+          </a:p>
+          <a:p>
+            <a:pPr marL="457200" lvl="1" indent="0">
+              <a:buNone/>
+            </a:pPr>
+            <a:r>
+              <a:rPr lang="en-US" dirty="0" smtClean="0"/>
+              <a:t>	echo </a:t>
+            </a:r>
+            <a:r>
+              <a:rPr lang="en-US" dirty="0"/>
+              <a:t>"FIRE ATTACK: ".$hit."&lt;</a:t>
+            </a:r>
+            <a:r>
+              <a:rPr lang="en-US" dirty="0" err="1"/>
+              <a:t>br</a:t>
+            </a:r>
+            <a:r>
+              <a:rPr lang="en-US" dirty="0" smtClean="0"/>
+              <a:t>&gt;”;</a:t>
+            </a:r>
+          </a:p>
+          <a:p>
+            <a:pPr marL="457200" lvl="1" indent="0">
+              <a:buNone/>
+            </a:pPr>
+            <a:r>
+              <a:rPr lang="en-US" dirty="0"/>
+              <a:t>	</a:t>
+            </a:r>
+            <a:r>
+              <a:rPr lang="en-US" dirty="0" smtClean="0"/>
+              <a:t>return </a:t>
+            </a:r>
+            <a:r>
+              <a:rPr lang="en-US" dirty="0"/>
+              <a:t>$hit;</a:t>
+            </a:r>
+          </a:p>
+          <a:p>
+            <a:pPr marL="457200" lvl="1" indent="0">
+              <a:buNone/>
+            </a:pPr>
+            <a:r>
+              <a:rPr lang="en-US" dirty="0" smtClean="0"/>
+              <a:t>}</a:t>
+            </a:r>
+            <a:endParaRPr lang="en-US" dirty="0"/>
+          </a:p>
+        </p:txBody>
+      </p:sp>
+      <p:pic>
+        <p:nvPicPr>
+          <p:cNvPr id="4" name="Picture 3"/>
+          <p:cNvPicPr>
+            <a:picLocks noChangeAspect="1"/>
+          </p:cNvPicPr>
+          <p:nvPr/>
+        </p:nvPicPr>
+        <p:blipFill>
+          <a:blip r:embed="rId2"/>
+          <a:stretch>
+            <a:fillRect/>
+          </a:stretch>
+        </p:blipFill>
+        <p:spPr>
+          <a:xfrm>
+            <a:off x="5940152" y="3933056"/>
+            <a:ext cx="2808312" cy="1863398"/>
+          </a:xfrm>
+          <a:prstGeom prst="rect">
+            <a:avLst/>
+          </a:prstGeom>
+        </p:spPr>
+      </p:pic>
+    </p:spTree>
+    <p:extLst>
+      <p:ext uri="{BB962C8B-B14F-4D97-AF65-F5344CB8AC3E}">
+        <p14:creationId xmlns:p14="http://schemas.microsoft.com/office/powerpoint/2010/main" val="220191334"/>
+      </p:ext>
+    </p:extLst>
+  </p:cSld>
+  <p:clrMapOvr>
+    <a:masterClrMapping/>
+  </p:clrMapOvr>
+  <mc:AlternateContent xmlns:mc="http://schemas.openxmlformats.org/markup-compatibility/2006">
+    <mc:Choice xmlns:p14="http://schemas.microsoft.com/office/powerpoint/2010/main" Requires="p14">
+      <p:transition spd="slow" p14:dur="1500">
+        <p:random/>
+      </p:transition>
+    </mc:Choice>
+    <mc:Fallback>
+      <p:transition spd="slow">
+        <p:random/>
+      </p:transition>
+    </mc:Fallback>
+  </mc:AlternateContent>
+  <p:timing>
+    <p:tnLst>
+      <p:par>
+        <p:cTn id="1" dur="indefinite" restart="never" nodeType="tmRoot"/>
+      </p:par>
+    </p:tnLst>
+  </p:timing>
+</p:sld>
+</file>
+
+<file path=ppt/slides/slide11.xml><?xml version="1.0" encoding="utf-8"?>
+<p:sld xmlns:a="http://schemas.openxmlformats.org/drawingml/2006/main" xmlns:r="http://schemas.openxmlformats.org/officeDocument/2006/relationships" xmlns:p="http://schemas.openxmlformats.org/presentationml/2006/main">
+  <p:cSld>
+    <p:spTree>
+      <p:nvGrpSpPr>
+        <p:cNvPr id="1" name=""/>
+        <p:cNvGrpSpPr/>
+        <p:nvPr/>
+      </p:nvGrpSpPr>
+      <p:grpSpPr>
+        <a:xfrm>
+          <a:off x="0" y="0"/>
+          <a:ext cx="0" cy="0"/>
+          <a:chOff x="0" y="0"/>
+          <a:chExt cx="0" cy="0"/>
+        </a:xfrm>
+      </p:grpSpPr>
+      <p:sp>
+        <p:nvSpPr>
+          <p:cNvPr id="2" name="Title 1"/>
+          <p:cNvSpPr>
+            <a:spLocks noGrp="1"/>
+          </p:cNvSpPr>
+          <p:nvPr>
+            <p:ph type="title"/>
+          </p:nvPr>
+        </p:nvSpPr>
+        <p:spPr>
+          <a:xfrm>
+            <a:off x="982133" y="457201"/>
+            <a:ext cx="7704667" cy="1171599"/>
+          </a:xfrm>
+        </p:spPr>
+        <p:txBody>
+          <a:bodyPr/>
+          <a:lstStyle/>
+          <a:p>
+            <a:r>
+              <a:rPr lang="en-US" dirty="0" smtClean="0"/>
+              <a:t>Define Enemies (2)</a:t>
+            </a:r>
+            <a:endParaRPr lang="en-US" dirty="0"/>
+          </a:p>
+        </p:txBody>
+      </p:sp>
+      <p:sp>
+        <p:nvSpPr>
+          <p:cNvPr id="3" name="Content Placeholder 2"/>
+          <p:cNvSpPr>
+            <a:spLocks noGrp="1"/>
+          </p:cNvSpPr>
+          <p:nvPr>
+            <p:ph idx="1"/>
+          </p:nvPr>
+        </p:nvSpPr>
+        <p:spPr>
+          <a:xfrm>
+            <a:off x="971600" y="2348880"/>
+            <a:ext cx="7704667" cy="4154992"/>
+          </a:xfrm>
+        </p:spPr>
+        <p:txBody>
+          <a:bodyPr/>
+          <a:lstStyle/>
+          <a:p>
+            <a:r>
+              <a:rPr lang="en-US" dirty="0" smtClean="0"/>
+              <a:t>Now </a:t>
+            </a:r>
+            <a:r>
+              <a:rPr lang="en-US" dirty="0"/>
+              <a:t>w</a:t>
+            </a:r>
+            <a:r>
+              <a:rPr lang="en-US" dirty="0" smtClean="0"/>
+              <a:t>e are going to make a</a:t>
+            </a:r>
+            <a:r>
+              <a:rPr lang="en-US" b="1" dirty="0" smtClean="0"/>
+              <a:t> </a:t>
+            </a:r>
+            <a:r>
+              <a:rPr lang="en-US" b="1" u="sng" dirty="0" smtClean="0"/>
+              <a:t>wolf </a:t>
+            </a:r>
+            <a:r>
+              <a:rPr lang="en-US" dirty="0" smtClean="0"/>
+              <a:t>type enemy. Wolves are defined to be stronger than pigs. They use </a:t>
+            </a:r>
+            <a:r>
+              <a:rPr lang="en-US" b="1" u="sng" dirty="0" smtClean="0"/>
+              <a:t>fire attacks </a:t>
+            </a:r>
+            <a:r>
+              <a:rPr lang="en-US" dirty="0" smtClean="0"/>
+              <a:t>against the character.</a:t>
+            </a:r>
+          </a:p>
+          <a:p>
+            <a:r>
+              <a:rPr lang="en-US" dirty="0" smtClean="0"/>
+              <a:t>The wolves are similar to pigs other than differences in property values.</a:t>
+            </a:r>
+          </a:p>
+          <a:p>
+            <a:r>
+              <a:rPr lang="en-US" dirty="0" smtClean="0"/>
+              <a:t>Again, the enemy strikes first.</a:t>
+            </a:r>
+          </a:p>
+          <a:p>
+            <a:r>
+              <a:rPr lang="en-US" dirty="0" smtClean="0"/>
+              <a:t>game15.php</a:t>
+            </a:r>
+            <a:endParaRPr lang="en-US" dirty="0"/>
+          </a:p>
+        </p:txBody>
+      </p:sp>
+      <p:grpSp>
+        <p:nvGrpSpPr>
+          <p:cNvPr id="5" name="Group 4"/>
+          <p:cNvGrpSpPr/>
+          <p:nvPr/>
+        </p:nvGrpSpPr>
+        <p:grpSpPr>
+          <a:xfrm>
+            <a:off x="5250545" y="5285966"/>
+            <a:ext cx="3893455" cy="1572034"/>
+            <a:chOff x="4399892" y="5285966"/>
+            <a:chExt cx="3893455" cy="1572034"/>
+          </a:xfrm>
+        </p:grpSpPr>
+        <p:pic>
+          <p:nvPicPr>
+            <p:cNvPr id="6" name="Picture 5"/>
+            <p:cNvPicPr>
+              <a:picLocks noChangeAspect="1" noChangeArrowheads="1"/>
+            </p:cNvPicPr>
+            <p:nvPr/>
+          </p:nvPicPr>
+          <p:blipFill>
+            <a:blip r:embed="rId2" cstate="print">
+              <a:extLst>
+                <a:ext uri="{28A0092B-C50C-407E-A947-70E740481C1C}">
+                  <a14:useLocalDpi xmlns:a14="http://schemas.microsoft.com/office/drawing/2010/main" val="0"/>
+                </a:ext>
+              </a:extLst>
+            </a:blip>
+            <a:srcRect/>
+            <a:stretch>
+              <a:fillRect/>
+            </a:stretch>
+          </p:blipFill>
+          <p:spPr bwMode="auto">
+            <a:xfrm>
+              <a:off x="4399892" y="5285967"/>
+              <a:ext cx="1794710" cy="1572033"/>
+            </a:xfrm>
+            <a:prstGeom prst="rect">
+              <a:avLst/>
+            </a:prstGeom>
+            <a:noFill/>
+            <a:ln>
+              <a:noFill/>
+            </a:ln>
+            <a:effectLst/>
+            <a:extLst>
+              <a:ext uri="{909E8E84-426E-40dd-AFC4-6F175D3DCCD1}">
+                <a14:hiddenFill xmlns:a14="http://schemas.microsoft.com/office/drawing/2010/main" xmlns="">
+                  <a:solidFill>
+                    <a:schemeClr val="accent1"/>
+                  </a:solidFill>
+                </a14:hiddenFill>
+              </a:ext>
+              <a:ext uri="{91240B29-F687-4f45-9708-019B960494DF}">
+                <a14:hiddenLine xmlns:a14="http://schemas.microsoft.com/office/drawing/2010/main" xmlns="" w="9525">
+                  <a:solidFill>
+                    <a:schemeClr val="tx1"/>
+                  </a:solidFill>
+                  <a:miter lim="800000"/>
+                  <a:headEnd/>
+                  <a:tailEnd/>
+                </a14:hiddenLine>
+              </a:ext>
+              <a:ext uri="{AF507438-7753-43e0-B8FC-AC1667EBCBE1}">
+                <a14:hiddenEffects xmlns:a14="http://schemas.microsoft.com/office/drawing/2010/main" xmlns="">
+                  <a:effectLst>
+                    <a:outerShdw dist="35921" dir="2700000" algn="ctr" rotWithShape="0">
+                      <a:schemeClr val="bg2"/>
+                    </a:outerShdw>
+                  </a:effectLst>
+                </a14:hiddenEffects>
+              </a:ext>
+            </a:extLst>
+          </p:spPr>
+        </p:pic>
+        <p:pic>
+          <p:nvPicPr>
+            <p:cNvPr id="7" name="Picture 6"/>
+            <p:cNvPicPr>
+              <a:picLocks noChangeAspect="1"/>
+            </p:cNvPicPr>
+            <p:nvPr/>
+          </p:nvPicPr>
+          <p:blipFill>
+            <a:blip r:embed="rId3"/>
+            <a:stretch>
+              <a:fillRect/>
+            </a:stretch>
+          </p:blipFill>
+          <p:spPr>
+            <a:xfrm>
+              <a:off x="6194602" y="5285966"/>
+              <a:ext cx="2098745" cy="1572033"/>
+            </a:xfrm>
+            <a:prstGeom prst="rect">
+              <a:avLst/>
+            </a:prstGeom>
+          </p:spPr>
+        </p:pic>
+      </p:grpSp>
+    </p:spTree>
+    <p:extLst>
+      <p:ext uri="{BB962C8B-B14F-4D97-AF65-F5344CB8AC3E}">
+        <p14:creationId xmlns:p14="http://schemas.microsoft.com/office/powerpoint/2010/main" val="641426757"/>
+      </p:ext>
+    </p:extLst>
+  </p:cSld>
+  <p:clrMapOvr>
+    <a:masterClrMapping/>
+  </p:clrMapOvr>
+  <mc:AlternateContent xmlns:mc="http://schemas.openxmlformats.org/markup-compatibility/2006">
+    <mc:Choice xmlns:p14="http://schemas.microsoft.com/office/powerpoint/2010/main" Requires="p14">
+      <p:transition spd="slow" p14:dur="1500">
+        <p:random/>
+      </p:transition>
+    </mc:Choice>
+    <mc:Fallback>
+      <p:transition spd="slow">
+        <p:random/>
+      </p:transition>
+    </mc:Fallback>
+  </mc:AlternateContent>
+  <p:timing>
+    <p:tnLst>
+      <p:par>
+        <p:cTn id="1" dur="indefinite" restart="never" nodeType="tmRoot"/>
+      </p:par>
+    </p:tnLst>
+  </p:timing>
+</p:sld>
+</file>
+
+<file path=ppt/slides/slide12.xml><?xml version="1.0" encoding="utf-8"?>
+<p:sld xmlns:a="http://schemas.openxmlformats.org/drawingml/2006/main" xmlns:r="http://schemas.openxmlformats.org/officeDocument/2006/relationships" xmlns:p="http://schemas.openxmlformats.org/presentationml/2006/main">
+  <p:cSld>
+    <p:spTree>
+      <p:nvGrpSpPr>
+        <p:cNvPr id="1" name=""/>
+        <p:cNvGrpSpPr/>
+        <p:nvPr/>
+      </p:nvGrpSpPr>
+      <p:grpSpPr>
+        <a:xfrm>
+          <a:off x="0" y="0"/>
+          <a:ext cx="0" cy="0"/>
+          <a:chOff x="0" y="0"/>
+          <a:chExt cx="0" cy="0"/>
+        </a:xfrm>
+      </p:grpSpPr>
+      <p:sp>
+        <p:nvSpPr>
+          <p:cNvPr id="2" name="Title 1"/>
+          <p:cNvSpPr>
+            <a:spLocks noGrp="1"/>
+          </p:cNvSpPr>
+          <p:nvPr>
+            <p:ph type="title"/>
+          </p:nvPr>
+        </p:nvSpPr>
+        <p:spPr>
+          <a:xfrm>
+            <a:off x="982133" y="457201"/>
+            <a:ext cx="7704667" cy="1171599"/>
+          </a:xfrm>
+        </p:spPr>
+        <p:txBody>
+          <a:bodyPr/>
+          <a:lstStyle/>
+          <a:p>
+            <a:r>
+              <a:rPr lang="en-US" dirty="0" smtClean="0"/>
+              <a:t>Define Boss</a:t>
+            </a:r>
+            <a:endParaRPr lang="en-US" dirty="0"/>
+          </a:p>
+        </p:txBody>
+      </p:sp>
+      <p:sp>
+        <p:nvSpPr>
+          <p:cNvPr id="3" name="Content Placeholder 2"/>
+          <p:cNvSpPr>
+            <a:spLocks noGrp="1"/>
+          </p:cNvSpPr>
+          <p:nvPr>
+            <p:ph idx="1"/>
+          </p:nvPr>
+        </p:nvSpPr>
+        <p:spPr>
+          <a:xfrm>
+            <a:off x="982133" y="1844824"/>
+            <a:ext cx="7704667" cy="4154992"/>
+          </a:xfrm>
+        </p:spPr>
+        <p:txBody>
+          <a:bodyPr/>
+          <a:lstStyle/>
+          <a:p>
+            <a:pPr marL="0" indent="0">
+              <a:buNone/>
+            </a:pPr>
+            <a:endParaRPr lang="en-US" dirty="0" smtClean="0"/>
+          </a:p>
+          <a:p>
+            <a:endParaRPr lang="en-US" dirty="0"/>
+          </a:p>
+          <a:p>
+            <a:r>
+              <a:rPr lang="en-US" dirty="0" smtClean="0"/>
+              <a:t>Now to create the boss of this game </a:t>
+            </a:r>
+            <a:r>
+              <a:rPr lang="mr-IN" dirty="0" smtClean="0"/>
+              <a:t>–</a:t>
+            </a:r>
+            <a:r>
+              <a:rPr lang="en-US" dirty="0" smtClean="0"/>
+              <a:t> the </a:t>
+            </a:r>
+            <a:r>
+              <a:rPr lang="en-US" b="1" u="sng" dirty="0" smtClean="0"/>
+              <a:t>dragon</a:t>
+            </a:r>
+            <a:r>
+              <a:rPr lang="en-US" dirty="0" smtClean="0"/>
+              <a:t>. </a:t>
+            </a:r>
+          </a:p>
+          <a:p>
+            <a:r>
+              <a:rPr lang="en-US" dirty="0" smtClean="0"/>
+              <a:t>The boss is a </a:t>
+            </a:r>
+            <a:r>
+              <a:rPr lang="en-US" b="1" u="sng" dirty="0" smtClean="0"/>
+              <a:t>character</a:t>
+            </a:r>
+            <a:r>
+              <a:rPr lang="en-US" dirty="0" smtClean="0"/>
+              <a:t>, and an </a:t>
+            </a:r>
+            <a:r>
+              <a:rPr lang="en-US" b="1" u="sng" dirty="0" smtClean="0"/>
+              <a:t>enemy</a:t>
+            </a:r>
+            <a:r>
+              <a:rPr lang="en-US" dirty="0" smtClean="0"/>
+              <a:t>. Yet only the boss can attack with ice. Hence we create </a:t>
+            </a:r>
+            <a:r>
+              <a:rPr lang="en-US" b="1" u="sng" dirty="0" smtClean="0"/>
+              <a:t>another child class “Boss” </a:t>
+            </a:r>
+            <a:r>
+              <a:rPr lang="en-US" dirty="0" smtClean="0"/>
+              <a:t>extending from </a:t>
+            </a:r>
+            <a:r>
+              <a:rPr lang="en-US" b="1" u="sng" dirty="0" smtClean="0"/>
+              <a:t>“Enemy”</a:t>
+            </a:r>
+            <a:r>
+              <a:rPr lang="en-US" dirty="0" smtClean="0"/>
+              <a:t>. </a:t>
+            </a:r>
+          </a:p>
+          <a:p>
+            <a:r>
+              <a:rPr lang="en-US" dirty="0" smtClean="0"/>
+              <a:t>Include a method named </a:t>
+            </a:r>
+            <a:r>
+              <a:rPr lang="en-US" b="1" u="sng" dirty="0" smtClean="0"/>
+              <a:t>“</a:t>
+            </a:r>
+            <a:r>
+              <a:rPr lang="en-US" b="1" u="sng" dirty="0" err="1" smtClean="0"/>
+              <a:t>iceAttack</a:t>
+            </a:r>
+            <a:r>
+              <a:rPr lang="en-US" b="1" u="sng" dirty="0" smtClean="0"/>
+              <a:t>” </a:t>
+            </a:r>
+            <a:r>
+              <a:rPr lang="en-US" dirty="0" smtClean="0"/>
+              <a:t>in </a:t>
+            </a:r>
+            <a:r>
+              <a:rPr lang="en-US" b="1" u="sng" dirty="0" smtClean="0"/>
+              <a:t>“Boss”</a:t>
+            </a:r>
+            <a:r>
+              <a:rPr lang="en-US" dirty="0" smtClean="0"/>
+              <a:t>, which will be similar to the method </a:t>
+            </a:r>
+            <a:r>
+              <a:rPr lang="en-US" b="1" u="sng" dirty="0" smtClean="0"/>
+              <a:t>“</a:t>
+            </a:r>
+            <a:r>
+              <a:rPr lang="en-US" b="1" u="sng" dirty="0" err="1" smtClean="0"/>
+              <a:t>fireAttack</a:t>
+            </a:r>
+            <a:r>
+              <a:rPr lang="en-US" b="1" u="sng" dirty="0" smtClean="0"/>
+              <a:t>”</a:t>
+            </a:r>
+            <a:r>
+              <a:rPr lang="en-US" dirty="0" smtClean="0"/>
+              <a:t>.</a:t>
+            </a:r>
+          </a:p>
+          <a:p>
+            <a:r>
+              <a:rPr lang="en-US" dirty="0" smtClean="0"/>
+              <a:t>game16.php, game17.php</a:t>
+            </a:r>
+            <a:endParaRPr lang="en-US" dirty="0"/>
+          </a:p>
+        </p:txBody>
+      </p:sp>
+      <p:grpSp>
+        <p:nvGrpSpPr>
+          <p:cNvPr id="6" name="Group 5"/>
+          <p:cNvGrpSpPr/>
+          <p:nvPr/>
+        </p:nvGrpSpPr>
+        <p:grpSpPr>
+          <a:xfrm>
+            <a:off x="-252536" y="1043000"/>
+            <a:ext cx="3758006" cy="1702834"/>
+            <a:chOff x="3758693" y="212471"/>
+            <a:chExt cx="5118811" cy="2319444"/>
+          </a:xfrm>
+        </p:grpSpPr>
+        <p:pic>
+          <p:nvPicPr>
+            <p:cNvPr id="7" name="Picture 6"/>
+            <p:cNvPicPr>
+              <a:picLocks noChangeAspect="1"/>
+            </p:cNvPicPr>
+            <p:nvPr/>
+          </p:nvPicPr>
+          <p:blipFill>
+            <a:blip r:embed="rId2"/>
+            <a:stretch>
+              <a:fillRect/>
+            </a:stretch>
+          </p:blipFill>
+          <p:spPr>
+            <a:xfrm>
+              <a:off x="3758693" y="212471"/>
+              <a:ext cx="3517900" cy="2311400"/>
+            </a:xfrm>
+            <a:prstGeom prst="rect">
+              <a:avLst/>
+            </a:prstGeom>
+          </p:spPr>
+        </p:pic>
+        <p:pic>
+          <p:nvPicPr>
+            <p:cNvPr id="8" name="Picture 2"/>
+            <p:cNvPicPr>
+              <a:picLocks noChangeAspect="1" noChangeArrowheads="1"/>
+            </p:cNvPicPr>
+            <p:nvPr/>
+          </p:nvPicPr>
+          <p:blipFill>
+            <a:blip r:embed="rId3" cstate="print">
+              <a:extLst>
+                <a:ext uri="{28A0092B-C50C-407E-A947-70E740481C1C}">
+                  <a14:useLocalDpi xmlns:a14="http://schemas.microsoft.com/office/drawing/2010/main" val="0"/>
+                </a:ext>
+              </a:extLst>
+            </a:blip>
+            <a:srcRect/>
+            <a:stretch>
+              <a:fillRect/>
+            </a:stretch>
+          </p:blipFill>
+          <p:spPr bwMode="auto">
+            <a:xfrm flipH="1">
+              <a:off x="7085890" y="212471"/>
+              <a:ext cx="1791614" cy="2319444"/>
+            </a:xfrm>
+            <a:prstGeom prst="rect">
+              <a:avLst/>
+            </a:prstGeom>
+            <a:noFill/>
+            <a:ln>
+              <a:noFill/>
+            </a:ln>
+            <a:effectLst/>
+            <a:extLst>
+              <a:ext uri="{909E8E84-426E-40dd-AFC4-6F175D3DCCD1}">
+                <a14:hiddenFill xmlns:a14="http://schemas.microsoft.com/office/drawing/2010/main" xmlns="">
+                  <a:solidFill>
+                    <a:schemeClr val="accent1"/>
+                  </a:solidFill>
+                </a14:hiddenFill>
+              </a:ext>
+              <a:ext uri="{91240B29-F687-4f45-9708-019B960494DF}">
+                <a14:hiddenLine xmlns:a14="http://schemas.microsoft.com/office/drawing/2010/main" xmlns="" w="9525">
+                  <a:solidFill>
+                    <a:schemeClr val="tx1"/>
+                  </a:solidFill>
+                  <a:miter lim="800000"/>
+                  <a:headEnd/>
+                  <a:tailEnd/>
+                </a14:hiddenLine>
+              </a:ext>
+              <a:ext uri="{AF507438-7753-43e0-B8FC-AC1667EBCBE1}">
+                <a14:hiddenEffects xmlns:a14="http://schemas.microsoft.com/office/drawing/2010/main" xmlns="">
+                  <a:effectLst>
+                    <a:outerShdw dist="35921" dir="2700000" algn="ctr" rotWithShape="0">
+                      <a:schemeClr val="bg2"/>
+                    </a:outerShdw>
+                  </a:effectLst>
+                </a14:hiddenEffects>
+              </a:ext>
+            </a:extLst>
+          </p:spPr>
+        </p:pic>
+      </p:grpSp>
+    </p:spTree>
+    <p:extLst>
+      <p:ext uri="{BB962C8B-B14F-4D97-AF65-F5344CB8AC3E}">
+        <p14:creationId xmlns:p14="http://schemas.microsoft.com/office/powerpoint/2010/main" val="91596959"/>
+      </p:ext>
+    </p:extLst>
+  </p:cSld>
+  <p:clrMapOvr>
+    <a:masterClrMapping/>
+  </p:clrMapOvr>
+  <mc:AlternateContent xmlns:mc="http://schemas.openxmlformats.org/markup-compatibility/2006">
+    <mc:Choice xmlns:p14="http://schemas.microsoft.com/office/powerpoint/2010/main" Requires="p14">
+      <p:transition spd="slow" p14:dur="1500">
+        <p:random/>
+      </p:transition>
+    </mc:Choice>
+    <mc:Fallback>
+      <p:transition spd="slow">
+        <p:random/>
+      </p:transition>
+    </mc:Fallback>
+  </mc:AlternateContent>
+  <p:timing>
+    <p:tnLst>
+      <p:par>
+        <p:cTn id="1" dur="indefinite" restart="never" nodeType="tmRoot"/>
+      </p:par>
+    </p:tnLst>
+  </p:timing>
+</p:sld>
+</file>
+
+<file path=ppt/slides/slide13.xml><?xml version="1.0" encoding="utf-8"?>
+<p:sld xmlns:a="http://schemas.openxmlformats.org/drawingml/2006/main" xmlns:r="http://schemas.openxmlformats.org/officeDocument/2006/relationships" xmlns:p="http://schemas.openxmlformats.org/presentationml/2006/main">
+  <p:cSld>
+    <p:spTree>
+      <p:nvGrpSpPr>
+        <p:cNvPr id="1" name=""/>
+        <p:cNvGrpSpPr/>
+        <p:nvPr/>
+      </p:nvGrpSpPr>
+      <p:grpSpPr>
+        <a:xfrm>
+          <a:off x="0" y="0"/>
+          <a:ext cx="0" cy="0"/>
+          <a:chOff x="0" y="0"/>
+          <a:chExt cx="0" cy="0"/>
+        </a:xfrm>
+      </p:grpSpPr>
+      <p:sp>
+        <p:nvSpPr>
+          <p:cNvPr id="2" name="Title 1"/>
+          <p:cNvSpPr>
+            <a:spLocks noGrp="1"/>
+          </p:cNvSpPr>
+          <p:nvPr>
+            <p:ph type="title"/>
+          </p:nvPr>
+        </p:nvSpPr>
+        <p:spPr/>
+        <p:txBody>
+          <a:bodyPr/>
+          <a:lstStyle/>
+          <a:p>
+            <a:r>
+              <a:rPr lang="en-US" dirty="0" smtClean="0"/>
+              <a:t>GG</a:t>
+            </a:r>
+            <a:endParaRPr lang="en-US" dirty="0"/>
+          </a:p>
+        </p:txBody>
+      </p:sp>
+      <p:sp>
+        <p:nvSpPr>
+          <p:cNvPr id="3" name="Content Placeholder 2"/>
+          <p:cNvSpPr>
+            <a:spLocks noGrp="1"/>
+          </p:cNvSpPr>
+          <p:nvPr>
+            <p:ph idx="1"/>
+          </p:nvPr>
+        </p:nvSpPr>
+        <p:spPr/>
+        <p:txBody>
+          <a:bodyPr/>
+          <a:lstStyle/>
+          <a:p>
+            <a:r>
+              <a:rPr lang="en-US" dirty="0" smtClean="0"/>
+              <a:t>When hero </a:t>
+            </a:r>
+            <a:r>
+              <a:rPr lang="en-US" dirty="0" err="1" smtClean="0"/>
+              <a:t>hp</a:t>
+            </a:r>
+            <a:r>
+              <a:rPr lang="en-US" dirty="0" smtClean="0"/>
+              <a:t> is less than 0, then game over.</a:t>
+            </a:r>
+            <a:endParaRPr lang="en-US" dirty="0"/>
+          </a:p>
+        </p:txBody>
+      </p:sp>
+      <p:grpSp>
+        <p:nvGrpSpPr>
+          <p:cNvPr id="4" name="Group 3"/>
+          <p:cNvGrpSpPr/>
+          <p:nvPr/>
+        </p:nvGrpSpPr>
+        <p:grpSpPr>
+          <a:xfrm>
+            <a:off x="4949856" y="4149080"/>
+            <a:ext cx="3767499" cy="2215184"/>
+            <a:chOff x="3635896" y="4252684"/>
+            <a:chExt cx="3767499" cy="2215184"/>
+          </a:xfrm>
+        </p:grpSpPr>
+        <p:pic>
+          <p:nvPicPr>
+            <p:cNvPr id="5" name="Picture 4"/>
+            <p:cNvPicPr>
+              <a:picLocks noChangeAspect="1" noChangeArrowheads="1"/>
+            </p:cNvPicPr>
+            <p:nvPr/>
+          </p:nvPicPr>
+          <p:blipFill>
+            <a:blip r:embed="rId2" cstate="print">
+              <a:extLst>
+                <a:ext uri="{28A0092B-C50C-407E-A947-70E740481C1C}">
+                  <a14:useLocalDpi xmlns:a14="http://schemas.microsoft.com/office/drawing/2010/main" val="0"/>
+                </a:ext>
+              </a:extLst>
+            </a:blip>
+            <a:srcRect/>
+            <a:stretch>
+              <a:fillRect/>
+            </a:stretch>
+          </p:blipFill>
+          <p:spPr bwMode="auto">
+            <a:xfrm flipV="1">
+              <a:off x="3635896" y="5531764"/>
+              <a:ext cx="1664185" cy="936104"/>
+            </a:xfrm>
+            <a:prstGeom prst="rect">
+              <a:avLst/>
+            </a:prstGeom>
+            <a:noFill/>
+            <a:ln>
+              <a:noFill/>
+            </a:ln>
+            <a:effectLst/>
+            <a:extLst>
+              <a:ext uri="{909E8E84-426E-40DD-AFC4-6F175D3DCCD1}">
+                <a14:hiddenFill xmlns:a14="http://schemas.microsoft.com/office/drawing/2010/main">
+                  <a:solidFill>
+                    <a:schemeClr val="accent1"/>
+                  </a:solidFill>
+                </a14:hiddenFill>
+              </a:ext>
+              <a:ext uri="{91240B29-F687-4F45-9708-019B960494DF}">
+                <a14:hiddenLine xmlns:a14="http://schemas.microsoft.com/office/drawing/2010/main" w="9525">
+                  <a:solidFill>
+                    <a:schemeClr val="tx1"/>
+                  </a:solidFill>
+                  <a:miter lim="800000"/>
+                  <a:headEnd/>
+                  <a:tailEnd/>
+                </a14:hiddenLine>
+              </a:ext>
+              <a:ext uri="{AF507438-7753-43E0-B8FC-AC1667EBCBE1}">
+                <a14:hiddenEffects xmlns:a14="http://schemas.microsoft.com/office/drawing/2010/main">
+                  <a:effectLst>
+                    <a:outerShdw dist="35921" dir="2700000" algn="ctr" rotWithShape="0">
+                      <a:schemeClr val="bg2"/>
+                    </a:outerShdw>
+                  </a:effectLst>
+                </a14:hiddenEffects>
+              </a:ext>
+            </a:extLst>
+          </p:spPr>
+        </p:pic>
+        <p:pic>
+          <p:nvPicPr>
+            <p:cNvPr id="6" name="Picture 5"/>
+            <p:cNvPicPr>
+              <a:picLocks noChangeAspect="1" noChangeArrowheads="1"/>
+            </p:cNvPicPr>
+            <p:nvPr/>
+          </p:nvPicPr>
+          <p:blipFill>
+            <a:blip r:embed="rId3" cstate="print">
+              <a:extLst>
+                <a:ext uri="{28A0092B-C50C-407E-A947-70E740481C1C}">
+                  <a14:useLocalDpi xmlns:a14="http://schemas.microsoft.com/office/drawing/2010/main" val="0"/>
+                </a:ext>
+              </a:extLst>
+            </a:blip>
+            <a:srcRect/>
+            <a:stretch>
+              <a:fillRect/>
+            </a:stretch>
+          </p:blipFill>
+          <p:spPr bwMode="auto">
+            <a:xfrm>
+              <a:off x="4980591" y="5531764"/>
+              <a:ext cx="936104" cy="936104"/>
+            </a:xfrm>
+            <a:prstGeom prst="rect">
+              <a:avLst/>
+            </a:prstGeom>
+            <a:noFill/>
+            <a:ln>
+              <a:noFill/>
+            </a:ln>
+            <a:effectLst/>
+            <a:extLst>
+              <a:ext uri="{909E8E84-426E-40DD-AFC4-6F175D3DCCD1}">
+                <a14:hiddenFill xmlns:a14="http://schemas.microsoft.com/office/drawing/2010/main">
+                  <a:solidFill>
+                    <a:schemeClr val="accent1"/>
+                  </a:solidFill>
+                </a14:hiddenFill>
+              </a:ext>
+              <a:ext uri="{91240B29-F687-4F45-9708-019B960494DF}">
+                <a14:hiddenLine xmlns:a14="http://schemas.microsoft.com/office/drawing/2010/main" w="9525">
+                  <a:solidFill>
+                    <a:schemeClr val="tx1"/>
+                  </a:solidFill>
+                  <a:miter lim="800000"/>
+                  <a:headEnd/>
+                  <a:tailEnd/>
+                </a14:hiddenLine>
+              </a:ext>
+              <a:ext uri="{AF507438-7753-43E0-B8FC-AC1667EBCBE1}">
+                <a14:hiddenEffects xmlns:a14="http://schemas.microsoft.com/office/drawing/2010/main">
+                  <a:effectLst>
+                    <a:outerShdw dist="35921" dir="2700000" algn="ctr" rotWithShape="0">
+                      <a:schemeClr val="bg2"/>
+                    </a:outerShdw>
+                  </a:effectLst>
+                </a14:hiddenEffects>
+              </a:ext>
+            </a:extLst>
+          </p:spPr>
+        </p:pic>
+        <p:pic>
+          <p:nvPicPr>
+            <p:cNvPr id="7" name="Picture 6"/>
+            <p:cNvPicPr>
+              <a:picLocks noChangeAspect="1" noChangeArrowheads="1"/>
+            </p:cNvPicPr>
+            <p:nvPr/>
+          </p:nvPicPr>
+          <p:blipFill>
+            <a:blip r:embed="rId4">
+              <a:extLst>
+                <a:ext uri="{28A0092B-C50C-407E-A947-70E740481C1C}">
+                  <a14:useLocalDpi xmlns:a14="http://schemas.microsoft.com/office/drawing/2010/main" val="0"/>
+                </a:ext>
+              </a:extLst>
+            </a:blip>
+            <a:srcRect/>
+            <a:stretch>
+              <a:fillRect/>
+            </a:stretch>
+          </p:blipFill>
+          <p:spPr bwMode="auto">
+            <a:xfrm>
+              <a:off x="5916695" y="4252684"/>
+              <a:ext cx="1486700" cy="2215184"/>
+            </a:xfrm>
+            <a:prstGeom prst="rect">
+              <a:avLst/>
+            </a:prstGeom>
+            <a:noFill/>
+            <a:ln>
+              <a:noFill/>
+            </a:ln>
+            <a:effectLst/>
+            <a:extLst>
+              <a:ext uri="{909E8E84-426E-40DD-AFC4-6F175D3DCCD1}">
+                <a14:hiddenFill xmlns:a14="http://schemas.microsoft.com/office/drawing/2010/main">
+                  <a:solidFill>
+                    <a:schemeClr val="accent1"/>
+                  </a:solidFill>
+                </a14:hiddenFill>
+              </a:ext>
+              <a:ext uri="{91240B29-F687-4F45-9708-019B960494DF}">
+                <a14:hiddenLine xmlns:a14="http://schemas.microsoft.com/office/drawing/2010/main" w="9525">
+                  <a:solidFill>
+                    <a:schemeClr val="tx1"/>
+                  </a:solidFill>
+                  <a:miter lim="800000"/>
+                  <a:headEnd/>
+                  <a:tailEnd/>
+                </a14:hiddenLine>
+              </a:ext>
+              <a:ext uri="{AF507438-7753-43E0-B8FC-AC1667EBCBE1}">
+                <a14:hiddenEffects xmlns:a14="http://schemas.microsoft.com/office/drawing/2010/main">
+                  <a:effectLst>
+                    <a:outerShdw dist="35921" dir="2700000" algn="ctr" rotWithShape="0">
+                      <a:schemeClr val="bg2"/>
+                    </a:outerShdw>
+                  </a:effectLst>
+                </a14:hiddenEffects>
+              </a:ext>
+            </a:extLst>
+          </p:spPr>
+        </p:pic>
+      </p:grpSp>
+    </p:spTree>
+    <p:extLst>
+      <p:ext uri="{BB962C8B-B14F-4D97-AF65-F5344CB8AC3E}">
+        <p14:creationId xmlns:p14="http://schemas.microsoft.com/office/powerpoint/2010/main" val="813919366"/>
+      </p:ext>
+    </p:extLst>
+  </p:cSld>
+  <p:clrMapOvr>
+    <a:masterClrMapping/>
+  </p:clrMapOvr>
+  <mc:AlternateContent xmlns:mc="http://schemas.openxmlformats.org/markup-compatibility/2006">
+    <mc:Choice xmlns:p14="http://schemas.microsoft.com/office/powerpoint/2010/main" Requires="p14">
+      <p:transition spd="slow" p14:dur="1500">
+        <p:random/>
+      </p:transition>
+    </mc:Choice>
+    <mc:Fallback>
+      <p:transition spd="slow">
+        <p:random/>
+      </p:transition>
+    </mc:Fallback>
+  </mc:AlternateContent>
+</p:sld>
+</file>
+
+<file path=ppt/slides/slide14.xml><?xml version="1.0" encoding="utf-8"?>
+<p:sld xmlns:a="http://schemas.openxmlformats.org/drawingml/2006/main" xmlns:r="http://schemas.openxmlformats.org/officeDocument/2006/relationships" xmlns:p="http://schemas.openxmlformats.org/presentationml/2006/main">
+  <p:cSld>
+    <p:spTree>
+      <p:nvGrpSpPr>
+        <p:cNvPr id="1" name=""/>
+        <p:cNvGrpSpPr/>
+        <p:nvPr/>
+      </p:nvGrpSpPr>
+      <p:grpSpPr>
+        <a:xfrm>
+          <a:off x="0" y="0"/>
+          <a:ext cx="0" cy="0"/>
+          <a:chOff x="0" y="0"/>
+          <a:chExt cx="0" cy="0"/>
+        </a:xfrm>
+      </p:grpSpPr>
+      <p:sp>
+        <p:nvSpPr>
           <p:cNvPr id="24578" name="Rectangle 2"/>
           <p:cNvSpPr>
             <a:spLocks noGrp="1" noChangeArrowheads="1"/>
@@ -13109,6 +14218,18 @@
   <p:clrMapOvr>
     <a:masterClrMapping/>
   </p:clrMapOvr>
+  <mc:AlternateContent xmlns:mc="http://schemas.openxmlformats.org/markup-compatibility/2006">
+    <mc:Choice xmlns:p14="http://schemas.microsoft.com/office/powerpoint/2010/main" Requires="p14">
+      <p:transition spd="slow" p14:dur="1500">
+        <p:random/>
+      </p:transition>
+    </mc:Choice>
+    <mc:Fallback>
+      <p:transition spd="slow">
+        <p:random/>
+      </p:transition>
+    </mc:Fallback>
+  </mc:AlternateContent>
 </p:sld>
 </file>
 
@@ -13360,6 +14481,18 @@
   <p:clrMapOvr>
     <a:masterClrMapping/>
   </p:clrMapOvr>
+  <mc:AlternateContent xmlns:mc="http://schemas.openxmlformats.org/markup-compatibility/2006">
+    <mc:Choice xmlns:p14="http://schemas.microsoft.com/office/powerpoint/2010/main" Requires="p14">
+      <p:transition spd="slow" p14:dur="1500">
+        <p:random/>
+      </p:transition>
+    </mc:Choice>
+    <mc:Fallback>
+      <p:transition spd="slow">
+        <p:random/>
+      </p:transition>
+    </mc:Fallback>
+  </mc:AlternateContent>
 </p:sld>
 </file>
 
@@ -13553,6 +14686,18 @@
   <p:clrMapOvr>
     <a:masterClrMapping/>
   </p:clrMapOvr>
+  <mc:AlternateContent xmlns:mc="http://schemas.openxmlformats.org/markup-compatibility/2006">
+    <mc:Choice xmlns:p14="http://schemas.microsoft.com/office/powerpoint/2010/main" Requires="p14">
+      <p:transition spd="slow" p14:dur="1500">
+        <p:random/>
+      </p:transition>
+    </mc:Choice>
+    <mc:Fallback>
+      <p:transition spd="slow">
+        <p:random/>
+      </p:transition>
+    </mc:Fallback>
+  </mc:AlternateContent>
 </p:sld>
 </file>
 
@@ -13590,7 +14735,7 @@
           <a:p>
             <a:r>
               <a:rPr lang="en-US" dirty="0" smtClean="0"/>
-              <a:t>Define playable character</a:t>
+              <a:t>The Makings of a Hero (1)</a:t>
             </a:r>
             <a:endParaRPr lang="en-US" dirty="0"/>
           </a:p>
@@ -13606,57 +14751,309 @@
             <p:ph idx="1"/>
           </p:nvPr>
         </p:nvSpPr>
+        <p:spPr>
+          <a:xfrm>
+            <a:off x="982133" y="1988840"/>
+            <a:ext cx="7910347" cy="4010976"/>
+          </a:xfrm>
+        </p:spPr>
+        <p:txBody>
+          <a:bodyPr/>
+          <a:lstStyle/>
+          <a:p>
+            <a:pPr marL="0" indent="0">
+              <a:buNone/>
+            </a:pPr>
+            <a:endParaRPr lang="en-US" dirty="0" smtClean="0"/>
+          </a:p>
+          <a:p>
+            <a:r>
+              <a:rPr lang="en-US" sz="2800" dirty="0" smtClean="0"/>
+              <a:t>Lets make a hero character!</a:t>
+            </a:r>
+          </a:p>
+          <a:p>
+            <a:r>
+              <a:rPr lang="en-US" sz="2800" dirty="0" smtClean="0"/>
+              <a:t>Create </a:t>
+            </a:r>
+            <a:r>
+              <a:rPr lang="en-US" sz="2800" b="1" u="sng" dirty="0" smtClean="0"/>
+              <a:t>a class called “Character” </a:t>
+            </a:r>
+            <a:r>
+              <a:rPr lang="en-US" sz="2800" dirty="0" smtClean="0"/>
+              <a:t>and </a:t>
+            </a:r>
+            <a:r>
+              <a:rPr lang="en-US" sz="2800" b="1" u="sng" dirty="0" smtClean="0"/>
+              <a:t>an object called “</a:t>
+            </a:r>
+            <a:r>
+              <a:rPr lang="en-US" sz="2800" b="1" u="sng" dirty="0"/>
+              <a:t>$</a:t>
+            </a:r>
+            <a:r>
+              <a:rPr lang="en-US" sz="2800" b="1" u="sng" dirty="0" smtClean="0"/>
+              <a:t>hero”</a:t>
+            </a:r>
+            <a:r>
+              <a:rPr lang="en-US" sz="2800" dirty="0" smtClean="0"/>
+              <a:t>.(game01.php)</a:t>
+            </a:r>
+          </a:p>
+          <a:p>
+            <a:r>
+              <a:rPr lang="en-US" sz="2800" dirty="0" smtClean="0"/>
+              <a:t>Every character will have </a:t>
+            </a:r>
+            <a:r>
+              <a:rPr lang="en-US" sz="2800" b="1" u="sng" dirty="0" smtClean="0"/>
+              <a:t>properties such as “name”, “</a:t>
+            </a:r>
+            <a:r>
+              <a:rPr lang="en-US" sz="2800" b="1" u="sng" dirty="0" err="1" smtClean="0"/>
+              <a:t>hp</a:t>
+            </a:r>
+            <a:r>
+              <a:rPr lang="en-US" sz="2800" b="1" u="sng" dirty="0" smtClean="0"/>
+              <a:t>” and “</a:t>
+            </a:r>
+            <a:r>
+              <a:rPr lang="en-US" sz="2800" b="1" u="sng" dirty="0" err="1" smtClean="0"/>
+              <a:t>atk</a:t>
+            </a:r>
+            <a:r>
+              <a:rPr lang="en-US" sz="2800" b="1" u="sng" dirty="0" smtClean="0"/>
+              <a:t>”</a:t>
+            </a:r>
+            <a:r>
+              <a:rPr lang="en-US" sz="2800" dirty="0" smtClean="0"/>
+              <a:t>. Define them </a:t>
+            </a:r>
+            <a:r>
+              <a:rPr lang="en-US" sz="2800" b="1" u="sng" dirty="0" smtClean="0"/>
+              <a:t>inside class</a:t>
+            </a:r>
+            <a:r>
+              <a:rPr lang="en-US" sz="2800" dirty="0" smtClean="0"/>
+              <a:t>. (game02.php)</a:t>
+            </a:r>
+            <a:endParaRPr lang="en-US" dirty="0" smtClean="0"/>
+          </a:p>
+        </p:txBody>
+      </p:sp>
+      <p:pic>
+        <p:nvPicPr>
+          <p:cNvPr id="2053" name="Picture 5"/>
+          <p:cNvPicPr>
+            <a:picLocks noChangeAspect="1" noChangeArrowheads="1"/>
+          </p:cNvPicPr>
+          <p:nvPr/>
+        </p:nvPicPr>
+        <p:blipFill>
+          <a:blip r:embed="rId2">
+            <a:extLst>
+              <a:ext uri="{28A0092B-C50C-407E-A947-70E740481C1C}">
+                <a14:useLocalDpi xmlns:a14="http://schemas.microsoft.com/office/drawing/2010/main" val="0"/>
+              </a:ext>
+            </a:extLst>
+          </a:blip>
+          <a:srcRect/>
+          <a:stretch>
+            <a:fillRect/>
+          </a:stretch>
+        </p:blipFill>
+        <p:spPr bwMode="auto">
+          <a:xfrm>
+            <a:off x="539552" y="260648"/>
+            <a:ext cx="1486700" cy="2215184"/>
+          </a:xfrm>
+          <a:prstGeom prst="rect">
+            <a:avLst/>
+          </a:prstGeom>
+          <a:noFill/>
+          <a:ln>
+            <a:noFill/>
+          </a:ln>
+          <a:effectLst/>
+          <a:extLst>
+            <a:ext uri="{909E8E84-426E-40dd-AFC4-6F175D3DCCD1}">
+              <a14:hiddenFill xmlns:a14="http://schemas.microsoft.com/office/drawing/2010/main" xmlns="">
+                <a:solidFill>
+                  <a:schemeClr val="accent1"/>
+                </a:solidFill>
+              </a14:hiddenFill>
+            </a:ext>
+            <a:ext uri="{91240B29-F687-4f45-9708-019B960494DF}">
+              <a14:hiddenLine xmlns:a14="http://schemas.microsoft.com/office/drawing/2010/main" xmlns="" w="9525">
+                <a:solidFill>
+                  <a:schemeClr val="tx1"/>
+                </a:solidFill>
+                <a:miter lim="800000"/>
+                <a:headEnd/>
+                <a:tailEnd/>
+              </a14:hiddenLine>
+            </a:ext>
+            <a:ext uri="{AF507438-7753-43e0-B8FC-AC1667EBCBE1}">
+              <a14:hiddenEffects xmlns:a14="http://schemas.microsoft.com/office/drawing/2010/main" xmlns="">
+                <a:effectLst>
+                  <a:outerShdw dist="35921" dir="2700000" algn="ctr" rotWithShape="0">
+                    <a:schemeClr val="bg2"/>
+                  </a:outerShdw>
+                </a:effectLst>
+              </a14:hiddenEffects>
+            </a:ext>
+          </a:extLst>
+        </p:spPr>
+      </p:pic>
+    </p:spTree>
+    <p:extLst>
+      <p:ext uri="{BB962C8B-B14F-4D97-AF65-F5344CB8AC3E}">
+        <p14:creationId xmlns:p14="http://schemas.microsoft.com/office/powerpoint/2010/main" val="551399367"/>
+      </p:ext>
+    </p:extLst>
+  </p:cSld>
+  <p:clrMapOvr>
+    <a:masterClrMapping/>
+  </p:clrMapOvr>
+  <mc:AlternateContent xmlns:mc="http://schemas.openxmlformats.org/markup-compatibility/2006">
+    <mc:Choice xmlns:p14="http://schemas.microsoft.com/office/powerpoint/2010/main" Requires="p14">
+      <p:transition spd="slow" p14:dur="1500">
+        <p:random/>
+      </p:transition>
+    </mc:Choice>
+    <mc:Fallback>
+      <p:transition spd="slow">
+        <p:random/>
+      </p:transition>
+    </mc:Fallback>
+  </mc:AlternateContent>
+  <p:timing>
+    <p:tnLst>
+      <p:par>
+        <p:cTn id="1" dur="indefinite" restart="never" nodeType="tmRoot"/>
+      </p:par>
+    </p:tnLst>
+  </p:timing>
+</p:sld>
+</file>
+
+<file path=ppt/slides/slide5.xml><?xml version="1.0" encoding="utf-8"?>
+<p:sld xmlns:a="http://schemas.openxmlformats.org/drawingml/2006/main" xmlns:r="http://schemas.openxmlformats.org/officeDocument/2006/relationships" xmlns:p="http://schemas.openxmlformats.org/presentationml/2006/main">
+  <p:cSld>
+    <p:spTree>
+      <p:nvGrpSpPr>
+        <p:cNvPr id="1" name=""/>
+        <p:cNvGrpSpPr/>
+        <p:nvPr/>
+      </p:nvGrpSpPr>
+      <p:grpSpPr>
+        <a:xfrm>
+          <a:off x="0" y="0"/>
+          <a:ext cx="0" cy="0"/>
+          <a:chOff x="0" y="0"/>
+          <a:chExt cx="0" cy="0"/>
+        </a:xfrm>
+      </p:grpSpPr>
+      <p:sp>
+        <p:nvSpPr>
+          <p:cNvPr id="2" name="Title 1"/>
+          <p:cNvSpPr>
+            <a:spLocks noGrp="1"/>
+          </p:cNvSpPr>
+          <p:nvPr>
+            <p:ph type="title"/>
+          </p:nvPr>
+        </p:nvSpPr>
         <p:spPr/>
         <p:txBody>
           <a:bodyPr/>
           <a:lstStyle/>
           <a:p>
             <a:r>
+              <a:rPr lang="en-US" dirty="0"/>
+              <a:t>The Makings of a Hero </a:t>
+            </a:r>
+            <a:r>
               <a:rPr lang="en-US" dirty="0" smtClean="0"/>
-              <a:t>Each character class has </a:t>
-            </a:r>
-            <a:r>
-              <a:rPr lang="en-US" dirty="0" err="1" smtClean="0"/>
+              <a:t>(2)</a:t>
+            </a:r>
+            <a:endParaRPr lang="en-US" dirty="0"/>
+          </a:p>
+        </p:txBody>
+      </p:sp>
+      <p:sp>
+        <p:nvSpPr>
+          <p:cNvPr id="3" name="Content Placeholder 2"/>
+          <p:cNvSpPr>
+            <a:spLocks noGrp="1"/>
+          </p:cNvSpPr>
+          <p:nvPr>
+            <p:ph idx="1"/>
+          </p:nvPr>
+        </p:nvSpPr>
+        <p:spPr>
+          <a:xfrm>
+            <a:off x="982133" y="1988840"/>
+            <a:ext cx="7910347" cy="4010976"/>
+          </a:xfrm>
+        </p:spPr>
+        <p:txBody>
+          <a:bodyPr/>
+          <a:lstStyle/>
+          <a:p>
+            <a:r>
+              <a:rPr lang="en-US" sz="2800" dirty="0" smtClean="0"/>
+              <a:t>Use a </a:t>
+            </a:r>
+            <a:r>
+              <a:rPr lang="en-US" sz="2800" b="1" u="sng" dirty="0" smtClean="0"/>
+              <a:t>constructor </a:t>
+            </a:r>
+            <a:r>
+              <a:rPr lang="en-US" sz="2800" dirty="0" smtClean="0"/>
+              <a:t>in class and fill in the name, </a:t>
+            </a:r>
+            <a:r>
+              <a:rPr lang="en-US" sz="2800" dirty="0" err="1" smtClean="0"/>
               <a:t>hp</a:t>
             </a:r>
             <a:r>
-              <a:rPr lang="en-US" dirty="0" smtClean="0"/>
+              <a:rPr lang="en-US" sz="2800" dirty="0" smtClean="0"/>
               <a:t> and </a:t>
             </a:r>
             <a:r>
-              <a:rPr lang="en-US" dirty="0" err="1" smtClean="0"/>
+              <a:rPr lang="en-US" sz="2800" dirty="0" err="1" smtClean="0"/>
               <a:t>atk</a:t>
             </a:r>
             <a:r>
-              <a:rPr lang="en-US" dirty="0" smtClean="0"/>
-              <a:t> property when created</a:t>
-            </a:r>
-          </a:p>
-          <a:p>
-            <a:r>
-              <a:rPr lang="en-US" dirty="0" smtClean="0"/>
-              <a:t>Create yourself as the character</a:t>
-            </a:r>
-          </a:p>
-          <a:p>
-            <a:r>
-              <a:rPr lang="en-US" dirty="0" smtClean="0"/>
-              <a:t>game01.php, game02.php, game03.php,</a:t>
-            </a:r>
-            <a:r>
-              <a:rPr lang="en-US" dirty="0"/>
-              <a:t> </a:t>
-            </a:r>
-            <a:r>
-              <a:rPr lang="en-US" dirty="0" smtClean="0"/>
-              <a:t>game04.php</a:t>
-            </a:r>
+              <a:rPr lang="en-US" sz="2800" dirty="0" smtClean="0"/>
+              <a:t> of the hero. (game03.php)</a:t>
+            </a:r>
+          </a:p>
+          <a:p>
+            <a:r>
+              <a:rPr lang="en-US" sz="2800" b="1" u="sng" dirty="0" smtClean="0"/>
+              <a:t>Display</a:t>
+            </a:r>
+            <a:r>
+              <a:rPr lang="en-US" sz="2800" dirty="0" smtClean="0"/>
+              <a:t> the </a:t>
+            </a:r>
+            <a:r>
+              <a:rPr lang="en-US" sz="2800" dirty="0" smtClean="0"/>
+              <a:t>properties of the hero. (game04.php)</a:t>
+            </a:r>
+          </a:p>
+          <a:p>
+            <a:endParaRPr lang="en-US" sz="2800" dirty="0" smtClean="0"/>
           </a:p>
         </p:txBody>
       </p:sp>
       <p:grpSp>
         <p:nvGrpSpPr>
-          <p:cNvPr id="4" name="Group 3"/>
+          <p:cNvPr id="5" name="Group 4"/>
           <p:cNvGrpSpPr/>
           <p:nvPr/>
         </p:nvGrpSpPr>
@@ -13670,7 +15067,7 @@
         </p:grpSpPr>
         <p:pic>
           <p:nvPicPr>
-            <p:cNvPr id="7" name="圖片 3"/>
+            <p:cNvPr id="6" name="圖片 3"/>
             <p:cNvPicPr>
               <a:picLocks noChangeAspect="1"/>
             </p:cNvPicPr>
@@ -13776,312 +15173,32 @@
     </p:spTree>
     <p:extLst>
       <p:ext uri="{BB962C8B-B14F-4D97-AF65-F5344CB8AC3E}">
-        <p14:creationId xmlns:p14="http://schemas.microsoft.com/office/powerpoint/2010/main" val="1141168902"/>
+        <p14:creationId xmlns:p14="http://schemas.microsoft.com/office/powerpoint/2010/main" val="977224364"/>
       </p:ext>
     </p:extLst>
   </p:cSld>
   <p:clrMapOvr>
     <a:masterClrMapping/>
   </p:clrMapOvr>
-</p:sld>
-</file>
-
-<file path=ppt/slides/slide5.xml><?xml version="1.0" encoding="utf-8"?>
-<p:sld xmlns:a="http://schemas.openxmlformats.org/drawingml/2006/main" xmlns:r="http://schemas.openxmlformats.org/officeDocument/2006/relationships" xmlns:p="http://schemas.openxmlformats.org/presentationml/2006/main">
-  <p:cSld>
-    <p:spTree>
-      <p:nvGrpSpPr>
-        <p:cNvPr id="1" name=""/>
-        <p:cNvGrpSpPr/>
-        <p:nvPr/>
-      </p:nvGrpSpPr>
-      <p:grpSpPr>
-        <a:xfrm>
-          <a:off x="0" y="0"/>
-          <a:ext cx="0" cy="0"/>
-          <a:chOff x="0" y="0"/>
-          <a:chExt cx="0" cy="0"/>
-        </a:xfrm>
-      </p:grpSpPr>
-      <p:sp>
-        <p:nvSpPr>
-          <p:cNvPr id="2" name="Title 1"/>
-          <p:cNvSpPr>
-            <a:spLocks noGrp="1"/>
-          </p:cNvSpPr>
-          <p:nvPr>
-            <p:ph type="title"/>
-          </p:nvPr>
-        </p:nvSpPr>
-        <p:spPr>
-          <a:xfrm>
-            <a:off x="982133" y="457201"/>
-            <a:ext cx="7704667" cy="1171599"/>
-          </a:xfrm>
-        </p:spPr>
-        <p:txBody>
-          <a:bodyPr/>
-          <a:lstStyle/>
-          <a:p>
-            <a:r>
-              <a:rPr lang="en-US" dirty="0" smtClean="0"/>
-              <a:t>Character losing health</a:t>
-            </a:r>
-            <a:endParaRPr lang="en-US" dirty="0"/>
-          </a:p>
-        </p:txBody>
-      </p:sp>
-      <p:sp>
-        <p:nvSpPr>
-          <p:cNvPr id="3" name="Content Placeholder 2"/>
-          <p:cNvSpPr>
-            <a:spLocks noGrp="1"/>
-          </p:cNvSpPr>
-          <p:nvPr>
-            <p:ph idx="1"/>
-          </p:nvPr>
-        </p:nvSpPr>
-        <p:spPr>
-          <a:xfrm>
-            <a:off x="982133" y="1844824"/>
-            <a:ext cx="7704667" cy="4154992"/>
-          </a:xfrm>
-        </p:spPr>
-        <p:txBody>
-          <a:bodyPr/>
-          <a:lstStyle/>
-          <a:p>
-            <a:r>
-              <a:rPr lang="en-US" dirty="0" smtClean="0"/>
-              <a:t>If the playable character has been hit by a monster, he/she will lose health.</a:t>
-            </a:r>
-          </a:p>
-          <a:p>
-            <a:r>
-              <a:rPr lang="en-US" dirty="0" smtClean="0"/>
-              <a:t>game05.php</a:t>
-            </a:r>
-            <a:endParaRPr lang="en-US" dirty="0"/>
-          </a:p>
-        </p:txBody>
-      </p:sp>
-      <p:grpSp>
-        <p:nvGrpSpPr>
-          <p:cNvPr id="7" name="Group 6"/>
-          <p:cNvGrpSpPr/>
-          <p:nvPr/>
-        </p:nvGrpSpPr>
-        <p:grpSpPr>
-          <a:xfrm>
-            <a:off x="4355976" y="4293096"/>
-            <a:ext cx="3767499" cy="2215184"/>
-            <a:chOff x="3635896" y="4252684"/>
-            <a:chExt cx="3767499" cy="2215184"/>
-          </a:xfrm>
-        </p:grpSpPr>
-        <p:pic>
-          <p:nvPicPr>
-            <p:cNvPr id="4" name="Picture 3"/>
-            <p:cNvPicPr>
-              <a:picLocks noChangeAspect="1" noChangeArrowheads="1"/>
-            </p:cNvPicPr>
-            <p:nvPr/>
-          </p:nvPicPr>
-          <p:blipFill>
-            <a:blip r:embed="rId2" cstate="print">
-              <a:extLst>
-                <a:ext uri="{28A0092B-C50C-407E-A947-70E740481C1C}">
-                  <a14:useLocalDpi xmlns:a14="http://schemas.microsoft.com/office/drawing/2010/main" val="0"/>
-                </a:ext>
-              </a:extLst>
-            </a:blip>
-            <a:srcRect/>
-            <a:stretch>
-              <a:fillRect/>
-            </a:stretch>
-          </p:blipFill>
-          <p:spPr bwMode="auto">
-            <a:xfrm flipV="1">
-              <a:off x="3635896" y="5531764"/>
-              <a:ext cx="1664185" cy="936104"/>
-            </a:xfrm>
-            <a:prstGeom prst="rect">
-              <a:avLst/>
-            </a:prstGeom>
-            <a:noFill/>
-            <a:ln>
-              <a:noFill/>
-            </a:ln>
-            <a:effectLst/>
-            <a:extLst>
-              <a:ext uri="{909E8E84-426E-40DD-AFC4-6F175D3DCCD1}">
-                <a14:hiddenFill xmlns:a14="http://schemas.microsoft.com/office/drawing/2010/main">
-                  <a:solidFill>
-                    <a:schemeClr val="accent1"/>
-                  </a:solidFill>
-                </a14:hiddenFill>
-              </a:ext>
-              <a:ext uri="{91240B29-F687-4F45-9708-019B960494DF}">
-                <a14:hiddenLine xmlns:a14="http://schemas.microsoft.com/office/drawing/2010/main" w="9525">
-                  <a:solidFill>
-                    <a:schemeClr val="tx1"/>
-                  </a:solidFill>
-                  <a:miter lim="800000"/>
-                  <a:headEnd/>
-                  <a:tailEnd/>
-                </a14:hiddenLine>
-              </a:ext>
-              <a:ext uri="{AF507438-7753-43E0-B8FC-AC1667EBCBE1}">
-                <a14:hiddenEffects xmlns:a14="http://schemas.microsoft.com/office/drawing/2010/main">
-                  <a:effectLst>
-                    <a:outerShdw dist="35921" dir="2700000" algn="ctr" rotWithShape="0">
-                      <a:schemeClr val="bg2"/>
-                    </a:outerShdw>
-                  </a:effectLst>
-                </a14:hiddenEffects>
-              </a:ext>
-            </a:extLst>
-          </p:spPr>
-        </p:pic>
-        <p:pic>
-          <p:nvPicPr>
-            <p:cNvPr id="5" name="Picture 4"/>
-            <p:cNvPicPr>
-              <a:picLocks noChangeAspect="1" noChangeArrowheads="1"/>
-            </p:cNvPicPr>
-            <p:nvPr/>
-          </p:nvPicPr>
-          <p:blipFill>
-            <a:blip r:embed="rId3" cstate="print">
-              <a:extLst>
-                <a:ext uri="{28A0092B-C50C-407E-A947-70E740481C1C}">
-                  <a14:useLocalDpi xmlns:a14="http://schemas.microsoft.com/office/drawing/2010/main" val="0"/>
-                </a:ext>
-              </a:extLst>
-            </a:blip>
-            <a:srcRect/>
-            <a:stretch>
-              <a:fillRect/>
-            </a:stretch>
-          </p:blipFill>
-          <p:spPr bwMode="auto">
-            <a:xfrm>
-              <a:off x="4980591" y="5531764"/>
-              <a:ext cx="936104" cy="936104"/>
-            </a:xfrm>
-            <a:prstGeom prst="rect">
-              <a:avLst/>
-            </a:prstGeom>
-            <a:noFill/>
-            <a:ln>
-              <a:noFill/>
-            </a:ln>
-            <a:effectLst/>
-            <a:extLst>
-              <a:ext uri="{909E8E84-426E-40DD-AFC4-6F175D3DCCD1}">
-                <a14:hiddenFill xmlns:a14="http://schemas.microsoft.com/office/drawing/2010/main">
-                  <a:solidFill>
-                    <a:schemeClr val="accent1"/>
-                  </a:solidFill>
-                </a14:hiddenFill>
-              </a:ext>
-              <a:ext uri="{91240B29-F687-4F45-9708-019B960494DF}">
-                <a14:hiddenLine xmlns:a14="http://schemas.microsoft.com/office/drawing/2010/main" w="9525">
-                  <a:solidFill>
-                    <a:schemeClr val="tx1"/>
-                  </a:solidFill>
-                  <a:miter lim="800000"/>
-                  <a:headEnd/>
-                  <a:tailEnd/>
-                </a14:hiddenLine>
-              </a:ext>
-              <a:ext uri="{AF507438-7753-43E0-B8FC-AC1667EBCBE1}">
-                <a14:hiddenEffects xmlns:a14="http://schemas.microsoft.com/office/drawing/2010/main">
-                  <a:effectLst>
-                    <a:outerShdw dist="35921" dir="2700000" algn="ctr" rotWithShape="0">
-                      <a:schemeClr val="bg2"/>
-                    </a:outerShdw>
-                  </a:effectLst>
-                </a14:hiddenEffects>
-              </a:ext>
-            </a:extLst>
-          </p:spPr>
-        </p:pic>
-        <p:pic>
-          <p:nvPicPr>
-            <p:cNvPr id="6" name="Picture 5"/>
-            <p:cNvPicPr>
-              <a:picLocks noChangeAspect="1" noChangeArrowheads="1"/>
-            </p:cNvPicPr>
-            <p:nvPr/>
-          </p:nvPicPr>
-          <p:blipFill>
-            <a:blip r:embed="rId4">
-              <a:extLst>
-                <a:ext uri="{28A0092B-C50C-407E-A947-70E740481C1C}">
-                  <a14:useLocalDpi xmlns:a14="http://schemas.microsoft.com/office/drawing/2010/main" val="0"/>
-                </a:ext>
-              </a:extLst>
-            </a:blip>
-            <a:srcRect/>
-            <a:stretch>
-              <a:fillRect/>
-            </a:stretch>
-          </p:blipFill>
-          <p:spPr bwMode="auto">
-            <a:xfrm>
-              <a:off x="5916695" y="4252684"/>
-              <a:ext cx="1486700" cy="2215184"/>
-            </a:xfrm>
-            <a:prstGeom prst="rect">
-              <a:avLst/>
-            </a:prstGeom>
-            <a:noFill/>
-            <a:ln>
-              <a:noFill/>
-            </a:ln>
-            <a:effectLst/>
-            <a:extLst>
-              <a:ext uri="{909E8E84-426E-40DD-AFC4-6F175D3DCCD1}">
-                <a14:hiddenFill xmlns:a14="http://schemas.microsoft.com/office/drawing/2010/main">
-                  <a:solidFill>
-                    <a:schemeClr val="accent1"/>
-                  </a:solidFill>
-                </a14:hiddenFill>
-              </a:ext>
-              <a:ext uri="{91240B29-F687-4F45-9708-019B960494DF}">
-                <a14:hiddenLine xmlns:a14="http://schemas.microsoft.com/office/drawing/2010/main" w="9525">
-                  <a:solidFill>
-                    <a:schemeClr val="tx1"/>
-                  </a:solidFill>
-                  <a:miter lim="800000"/>
-                  <a:headEnd/>
-                  <a:tailEnd/>
-                </a14:hiddenLine>
-              </a:ext>
-              <a:ext uri="{AF507438-7753-43E0-B8FC-AC1667EBCBE1}">
-                <a14:hiddenEffects xmlns:a14="http://schemas.microsoft.com/office/drawing/2010/main">
-                  <a:effectLst>
-                    <a:outerShdw dist="35921" dir="2700000" algn="ctr" rotWithShape="0">
-                      <a:schemeClr val="bg2"/>
-                    </a:outerShdw>
-                  </a:effectLst>
-                </a14:hiddenEffects>
-              </a:ext>
-            </a:extLst>
-          </p:spPr>
-        </p:pic>
-      </p:grpSp>
-    </p:spTree>
-    <p:extLst>
-      <p:ext uri="{BB962C8B-B14F-4D97-AF65-F5344CB8AC3E}">
-        <p14:creationId xmlns:p14="http://schemas.microsoft.com/office/powerpoint/2010/main" val="1478180853"/>
-      </p:ext>
-    </p:extLst>
-  </p:cSld>
-  <p:clrMapOvr>
-    <a:masterClrMapping/>
-  </p:clrMapOvr>
+  <mc:AlternateContent xmlns:mc="http://schemas.openxmlformats.org/markup-compatibility/2006">
+    <mc:Choice xmlns:p14="http://schemas.microsoft.com/office/powerpoint/2010/main" Requires="p14">
+      <p:transition spd="slow" p14:dur="1500">
+        <p:random/>
+      </p:transition>
+    </mc:Choice>
+    <mc:Fallback>
+      <p:transition spd="slow">
+        <p:random/>
+      </p:transition>
+    </mc:Fallback>
+  </mc:AlternateContent>
+  <p:timing>
+    <p:tnLst>
+      <p:par>
+        <p:cTn id="1" dur="indefinite" restart="never" nodeType="tmRoot"/>
+      </p:par>
+    </p:tnLst>
+  </p:timing>
 </p:sld>
 </file>
 
@@ -14124,7 +15241,7 @@
           <a:p>
             <a:r>
               <a:rPr lang="en-US" dirty="0" smtClean="0"/>
-              <a:t>If health(hero) = zero,</a:t>
+              <a:t>Character losing health</a:t>
             </a:r>
             <a:endParaRPr lang="en-US" dirty="0"/>
           </a:p>
@@ -14151,26 +15268,46 @@
           <a:lstStyle/>
           <a:p>
             <a:r>
-              <a:rPr lang="en-US" dirty="0" smtClean="0"/>
-              <a:t>If the playable character’s HP falls to zero, he/she will die and the game will be over.</a:t>
-            </a:r>
-          </a:p>
-          <a:p>
-            <a:r>
-              <a:rPr lang="en-US" dirty="0" smtClean="0"/>
-              <a:t>game06.php, game07.php</a:t>
-            </a:r>
-          </a:p>
-          <a:p>
-            <a:endParaRPr lang="en-US" dirty="0"/>
+              <a:rPr lang="en-US" sz="2800" dirty="0" smtClean="0"/>
+              <a:t>If the hero got hit by a monster, he/she will lose health. Create a method </a:t>
+            </a:r>
+            <a:r>
+              <a:rPr lang="en-US" sz="2800" dirty="0" smtClean="0"/>
+              <a:t>“hit” to </a:t>
+            </a:r>
+            <a:r>
+              <a:rPr lang="en-US" sz="2800" dirty="0" smtClean="0"/>
+              <a:t>show this game mechanic. </a:t>
+            </a:r>
+            <a:endParaRPr lang="en-US" sz="2800" dirty="0" smtClean="0"/>
+          </a:p>
+          <a:p>
+            <a:pPr marL="457200" lvl="1" indent="0">
+              <a:buNone/>
+            </a:pPr>
+            <a:r>
+              <a:rPr lang="en-US" sz="2800" dirty="0" smtClean="0"/>
+              <a:t>function </a:t>
+            </a:r>
+            <a:r>
+              <a:rPr lang="en-US" sz="2800" dirty="0" smtClean="0"/>
+              <a:t>hit($hit){}</a:t>
+            </a:r>
+          </a:p>
+          <a:p>
+            <a:r>
+              <a:rPr lang="en-US" sz="2800" dirty="0" smtClean="0"/>
+              <a:t>game05.php</a:t>
+            </a:r>
+            <a:endParaRPr lang="en-US" sz="2800" dirty="0"/>
           </a:p>
         </p:txBody>
       </p:sp>
       <p:pic>
         <p:nvPicPr>
-          <p:cNvPr id="6147" name="Picture 3"/>
+          <p:cNvPr id="4" name="Picture 3" descr="hb.jpg"/>
           <p:cNvPicPr>
-            <a:picLocks noChangeAspect="1" noChangeArrowheads="1"/>
+            <a:picLocks noChangeAspect="1"/>
           </p:cNvPicPr>
           <p:nvPr/>
         </p:nvPicPr>
@@ -14182,64 +15319,49 @@
               </a:ext>
             </a:extLst>
           </a:blip>
-          <a:srcRect/>
           <a:stretch>
             <a:fillRect/>
           </a:stretch>
         </p:blipFill>
-        <p:spPr bwMode="auto">
+        <p:spPr>
           <a:xfrm>
-            <a:off x="3059832" y="4509120"/>
-            <a:ext cx="3148608" cy="2053975"/>
+            <a:off x="3059832" y="1412776"/>
+            <a:ext cx="3384376" cy="1633837"/>
           </a:xfrm>
           <a:prstGeom prst="rect">
             <a:avLst/>
           </a:prstGeom>
-          <a:noFill/>
-          <a:ln>
-            <a:noFill/>
-          </a:ln>
-          <a:effectLst/>
-          <a:extLst>
-            <a:ext uri="{909E8E84-426E-40DD-AFC4-6F175D3DCCD1}">
-              <a14:hiddenFill xmlns:a14="http://schemas.microsoft.com/office/drawing/2010/main">
-                <a:solidFill>
-                  <a:schemeClr val="accent1"/>
-                </a:solidFill>
-              </a14:hiddenFill>
-            </a:ext>
-            <a:ext uri="{91240B29-F687-4F45-9708-019B960494DF}">
-              <a14:hiddenLine xmlns:a14="http://schemas.microsoft.com/office/drawing/2010/main" w="9525">
-                <a:solidFill>
-                  <a:schemeClr val="tx1"/>
-                </a:solidFill>
-                <a:miter lim="800000"/>
-                <a:headEnd/>
-                <a:tailEnd/>
-              </a14:hiddenLine>
-            </a:ext>
-            <a:ext uri="{AF507438-7753-43E0-B8FC-AC1667EBCBE1}">
-              <a14:hiddenEffects xmlns:a14="http://schemas.microsoft.com/office/drawing/2010/main">
-                <a:effectLst>
-                  <a:outerShdw dist="35921" dir="2700000" algn="ctr" rotWithShape="0">
-                    <a:schemeClr val="bg2"/>
-                  </a:outerShdw>
-                </a:effectLst>
-              </a14:hiddenEffects>
-            </a:ext>
-          </a:extLst>
         </p:spPr>
       </p:pic>
     </p:spTree>
     <p:extLst>
       <p:ext uri="{BB962C8B-B14F-4D97-AF65-F5344CB8AC3E}">
-        <p14:creationId xmlns:p14="http://schemas.microsoft.com/office/powerpoint/2010/main" val="2572157975"/>
+        <p14:creationId xmlns:p14="http://schemas.microsoft.com/office/powerpoint/2010/main" val="8321118"/>
       </p:ext>
     </p:extLst>
   </p:cSld>
   <p:clrMapOvr>
     <a:masterClrMapping/>
   </p:clrMapOvr>
+  <mc:AlternateContent xmlns:mc="http://schemas.openxmlformats.org/markup-compatibility/2006">
+    <mc:Choice xmlns:p14="http://schemas.microsoft.com/office/powerpoint/2010/main" Requires="p14">
+      <p:transition spd="slow" p14:dur="1500">
+        <p:random/>
+      </p:transition>
+    </mc:Choice>
+    <mc:Fallback>
+      <p:transition spd="slow">
+        <p:random/>
+      </p:transition>
+    </mc:Fallback>
+  </mc:AlternateContent>
+  <p:timing>
+    <p:tnLst>
+      <p:par>
+        <p:cTn id="1" dur="indefinite" restart="never" nodeType="tmRoot"/>
+      </p:par>
+    </p:tnLst>
+  </p:timing>
 </p:sld>
 </file>
 
@@ -14282,7 +15404,7 @@
           <a:p>
             <a:r>
               <a:rPr lang="en-US" dirty="0" smtClean="0"/>
-              <a:t>Define Enemies (1)</a:t>
+              <a:t>If health(hero) = zero,</a:t>
             </a:r>
             <a:endParaRPr lang="en-US" dirty="0"/>
           </a:p>
@@ -14300,8 +15422,8 @@
         </p:nvSpPr>
         <p:spPr>
           <a:xfrm>
-            <a:off x="982133" y="1844824"/>
-            <a:ext cx="7704667" cy="4154992"/>
+            <a:off x="971600" y="2204864"/>
+            <a:ext cx="7704667" cy="2448272"/>
           </a:xfrm>
         </p:spPr>
         <p:txBody>
@@ -14309,28 +15431,32 @@
           <a:lstStyle/>
           <a:p>
             <a:r>
-              <a:rPr lang="en-US" dirty="0" smtClean="0"/>
-              <a:t>Now that we have created our character, we are going to make enemies for our little character to fight.</a:t>
-            </a:r>
-          </a:p>
-          <a:p>
-            <a:r>
-              <a:rPr lang="en-US" dirty="0" smtClean="0"/>
-              <a:t>In this example, we will create an enemy pig.</a:t>
-            </a:r>
-          </a:p>
-          <a:p>
-            <a:r>
-              <a:rPr lang="en-US" dirty="0" smtClean="0"/>
-              <a:t>game10.php, game11.php, game12.php, game13.php, game14.php</a:t>
-            </a:r>
+              <a:rPr lang="en-US" sz="2800" dirty="0" smtClean="0"/>
+              <a:t>If the hero’s HP is zero, he/she will die and it will be game over. Expand the </a:t>
+            </a:r>
+            <a:r>
+              <a:rPr lang="en-US" sz="2800" b="1" u="sng" dirty="0" smtClean="0"/>
+              <a:t>method “hit”</a:t>
+            </a:r>
+            <a:r>
+              <a:rPr lang="en-US" sz="2800" dirty="0" smtClean="0"/>
+              <a:t>.</a:t>
+            </a:r>
+          </a:p>
+          <a:p>
+            <a:r>
+              <a:rPr lang="en-US" sz="2800" dirty="0" smtClean="0"/>
+              <a:t>game06.php, game07.php</a:t>
+            </a:r>
+          </a:p>
+          <a:p>
             <a:endParaRPr lang="en-US" dirty="0"/>
           </a:p>
         </p:txBody>
       </p:sp>
       <p:pic>
         <p:nvPicPr>
-          <p:cNvPr id="3074" name="Picture 2"/>
+          <p:cNvPr id="6147" name="Picture 3"/>
           <p:cNvPicPr>
             <a:picLocks noChangeAspect="1" noChangeArrowheads="1"/>
           </p:cNvPicPr>
@@ -14351,8 +15477,8 @@
         </p:blipFill>
         <p:spPr bwMode="auto">
           <a:xfrm>
-            <a:off x="3563888" y="1412776"/>
-            <a:ext cx="2420937" cy="1371600"/>
+            <a:off x="3203848" y="4183337"/>
+            <a:ext cx="3148608" cy="2053975"/>
           </a:xfrm>
           <a:prstGeom prst="rect">
             <a:avLst/>
@@ -14363,15 +15489,15 @@
           </a:ln>
           <a:effectLst/>
           <a:extLst>
-            <a:ext uri="{909E8E84-426E-40DD-AFC4-6F175D3DCCD1}">
-              <a14:hiddenFill xmlns:a14="http://schemas.microsoft.com/office/drawing/2010/main">
+            <a:ext uri="{909E8E84-426E-40dd-AFC4-6F175D3DCCD1}">
+              <a14:hiddenFill xmlns:a14="http://schemas.microsoft.com/office/drawing/2010/main" xmlns="">
                 <a:solidFill>
                   <a:schemeClr val="accent1"/>
                 </a:solidFill>
               </a14:hiddenFill>
             </a:ext>
-            <a:ext uri="{91240B29-F687-4F45-9708-019B960494DF}">
-              <a14:hiddenLine xmlns:a14="http://schemas.microsoft.com/office/drawing/2010/main" w="9525">
+            <a:ext uri="{91240B29-F687-4f45-9708-019B960494DF}">
+              <a14:hiddenLine xmlns:a14="http://schemas.microsoft.com/office/drawing/2010/main" xmlns="" w="9525">
                 <a:solidFill>
                   <a:schemeClr val="tx1"/>
                 </a:solidFill>
@@ -14380,8 +15506,8 @@
                 <a:tailEnd/>
               </a14:hiddenLine>
             </a:ext>
-            <a:ext uri="{AF507438-7753-43E0-B8FC-AC1667EBCBE1}">
-              <a14:hiddenEffects xmlns:a14="http://schemas.microsoft.com/office/drawing/2010/main">
+            <a:ext uri="{AF507438-7753-43e0-B8FC-AC1667EBCBE1}">
+              <a14:hiddenEffects xmlns:a14="http://schemas.microsoft.com/office/drawing/2010/main" xmlns="">
                 <a:effectLst>
                   <a:outerShdw dist="35921" dir="2700000" algn="ctr" rotWithShape="0">
                     <a:schemeClr val="bg2"/>
@@ -14395,13 +15521,32 @@
     </p:spTree>
     <p:extLst>
       <p:ext uri="{BB962C8B-B14F-4D97-AF65-F5344CB8AC3E}">
-        <p14:creationId xmlns:p14="http://schemas.microsoft.com/office/powerpoint/2010/main" val="2027830503"/>
+        <p14:creationId xmlns:p14="http://schemas.microsoft.com/office/powerpoint/2010/main" val="31534283"/>
       </p:ext>
     </p:extLst>
   </p:cSld>
   <p:clrMapOvr>
     <a:masterClrMapping/>
   </p:clrMapOvr>
+  <mc:AlternateContent xmlns:mc="http://schemas.openxmlformats.org/markup-compatibility/2006">
+    <mc:Choice xmlns:p14="http://schemas.microsoft.com/office/powerpoint/2010/main" Requires="p14">
+      <p:transition spd="slow" p14:dur="1500">
+        <p:random/>
+      </p:transition>
+    </mc:Choice>
+    <mc:Fallback>
+      <p:transition spd="slow">
+        <p:random/>
+      </p:transition>
+    </mc:Fallback>
+  </mc:AlternateContent>
+  <p:timing>
+    <p:tnLst>
+      <p:par>
+        <p:cTn id="1" dur="indefinite" restart="never" nodeType="tmRoot"/>
+      </p:par>
+    </p:tnLst>
+  </p:timing>
 </p:sld>
 </file>
 
@@ -14444,7 +15589,7 @@
           <a:p>
             <a:r>
               <a:rPr lang="en-US" dirty="0" smtClean="0"/>
-              <a:t>Define Enemies (2)</a:t>
+              <a:t>Define Enemies (1)</a:t>
             </a:r>
             <a:endParaRPr lang="en-US" dirty="0"/>
           </a:p>
@@ -14462,7 +15607,7 @@
         </p:nvSpPr>
         <p:spPr>
           <a:xfrm>
-            <a:off x="982133" y="1844824"/>
+            <a:off x="971600" y="2697682"/>
             <a:ext cx="7704667" cy="4154992"/>
           </a:xfrm>
         </p:spPr>
@@ -14472,34 +15617,88 @@
           <a:p>
             <a:r>
               <a:rPr lang="en-US" dirty="0" smtClean="0"/>
-              <a:t>We are going to make a wolf type enemy.</a:t>
-            </a:r>
-          </a:p>
-          <a:p>
+              <a:t>Now we create an enemy </a:t>
+            </a:r>
+            <a:r>
+              <a:rPr lang="en-US" b="1" u="sng" dirty="0" smtClean="0"/>
+              <a:t>pig </a:t>
+            </a:r>
             <a:r>
               <a:rPr lang="en-US" dirty="0" smtClean="0"/>
-              <a:t>Wolves are defined to be stronger than pigs. They use fire magic attacks against the character.</a:t>
+              <a:t>character.</a:t>
             </a:r>
           </a:p>
           <a:p>
             <a:r>
               <a:rPr lang="en-US" dirty="0" smtClean="0"/>
-              <a:t>game15.php</a:t>
-            </a:r>
-            <a:endParaRPr lang="en-US" dirty="0"/>
+              <a:t>Since it is a </a:t>
+            </a:r>
+            <a:r>
+              <a:rPr lang="en-US" b="1" u="sng" dirty="0" smtClean="0"/>
+              <a:t>character</a:t>
+            </a:r>
+            <a:r>
+              <a:rPr lang="en-US" dirty="0" smtClean="0"/>
+              <a:t>, it will have properties </a:t>
+            </a:r>
+            <a:r>
+              <a:rPr lang="en-US" dirty="0"/>
+              <a:t>(name, </a:t>
+            </a:r>
+            <a:r>
+              <a:rPr lang="en-US" dirty="0" err="1"/>
+              <a:t>hp</a:t>
+            </a:r>
+            <a:r>
+              <a:rPr lang="en-US" dirty="0"/>
+              <a:t>, </a:t>
+            </a:r>
+            <a:r>
+              <a:rPr lang="en-US" dirty="0" err="1"/>
+              <a:t>atk</a:t>
+            </a:r>
+            <a:r>
+              <a:rPr lang="en-US" dirty="0" smtClean="0"/>
+              <a:t>) and methods from the “Character” class. Yet there will also be enemy-exclusive methods. Thus we create a </a:t>
+            </a:r>
+            <a:r>
+              <a:rPr lang="en-US" b="1" u="sng" dirty="0" smtClean="0"/>
+              <a:t>child class named “Enemy”</a:t>
+            </a:r>
+            <a:r>
+              <a:rPr lang="en-US" dirty="0" smtClean="0"/>
+              <a:t>. (game10.php)</a:t>
+            </a:r>
+          </a:p>
+          <a:p>
+            <a:r>
+              <a:rPr lang="en-US" dirty="0" smtClean="0"/>
+              <a:t>In this case, the child class will contain a method that </a:t>
+            </a:r>
+            <a:r>
+              <a:rPr lang="en-US" b="1" u="sng" dirty="0" smtClean="0"/>
+              <a:t>echoes “Enemy is coming”</a:t>
+            </a:r>
+            <a:r>
+              <a:rPr lang="en-US" dirty="0" smtClean="0"/>
+              <a:t>. (game11.php)</a:t>
+            </a:r>
+          </a:p>
+          <a:p>
+            <a:endParaRPr lang="en-US" dirty="0" smtClean="0"/>
           </a:p>
         </p:txBody>
       </p:sp>
       <p:pic>
         <p:nvPicPr>
-          <p:cNvPr id="4098" name="Picture 2"/>
+          <p:cNvPr id="3074" name="Picture 2"/>
           <p:cNvPicPr>
             <a:picLocks noChangeAspect="1" noChangeArrowheads="1"/>
           </p:cNvPicPr>
           <p:nvPr/>
         </p:nvPicPr>
         <p:blipFill>
-          <a:blip r:embed="rId2" cstate="print">
+          <a:blip r:embed="rId2">
             <a:extLst>
               <a:ext uri="{28A0092B-C50C-407E-A947-70E740481C1C}">
                 <a14:useLocalDpi xmlns:a14="http://schemas.microsoft.com/office/drawing/2010/main" val="0"/>
@@ -14513,8 +15712,8 @@
         </p:blipFill>
         <p:spPr bwMode="auto">
           <a:xfrm>
-            <a:off x="3707904" y="1412776"/>
-            <a:ext cx="1794710" cy="1572033"/>
+            <a:off x="3563888" y="1412776"/>
+            <a:ext cx="2420937" cy="1371600"/>
           </a:xfrm>
           <a:prstGeom prst="rect">
             <a:avLst/>
@@ -14525,15 +15724,15 @@
           </a:ln>
           <a:effectLst/>
           <a:extLst>
-            <a:ext uri="{909E8E84-426E-40DD-AFC4-6F175D3DCCD1}">
-              <a14:hiddenFill xmlns:a14="http://schemas.microsoft.com/office/drawing/2010/main">
+            <a:ext uri="{909E8E84-426E-40dd-AFC4-6F175D3DCCD1}">
+              <a14:hiddenFill xmlns:a14="http://schemas.microsoft.com/office/drawing/2010/main" xmlns="">
                 <a:solidFill>
                   <a:schemeClr val="accent1"/>
                 </a:solidFill>
               </a14:hiddenFill>
             </a:ext>
-            <a:ext uri="{91240B29-F687-4F45-9708-019B960494DF}">
-              <a14:hiddenLine xmlns:a14="http://schemas.microsoft.com/office/drawing/2010/main" w="9525">
+            <a:ext uri="{91240B29-F687-4f45-9708-019B960494DF}">
+              <a14:hiddenLine xmlns:a14="http://schemas.microsoft.com/office/drawing/2010/main" xmlns="" w="9525">
                 <a:solidFill>
                   <a:schemeClr val="tx1"/>
                 </a:solidFill>
@@ -14542,8 +15741,8 @@
                 <a:tailEnd/>
               </a14:hiddenLine>
             </a:ext>
-            <a:ext uri="{AF507438-7753-43E0-B8FC-AC1667EBCBE1}">
-              <a14:hiddenEffects xmlns:a14="http://schemas.microsoft.com/office/drawing/2010/main">
+            <a:ext uri="{AF507438-7753-43e0-B8FC-AC1667EBCBE1}">
+              <a14:hiddenEffects xmlns:a14="http://schemas.microsoft.com/office/drawing/2010/main" xmlns="">
                 <a:effectLst>
                   <a:outerShdw dist="35921" dir="2700000" algn="ctr" rotWithShape="0">
                     <a:schemeClr val="bg2"/>
@@ -14557,13 +15756,32 @@
     </p:spTree>
     <p:extLst>
       <p:ext uri="{BB962C8B-B14F-4D97-AF65-F5344CB8AC3E}">
-        <p14:creationId xmlns:p14="http://schemas.microsoft.com/office/powerpoint/2010/main" val="2710700928"/>
+        <p14:creationId xmlns:p14="http://schemas.microsoft.com/office/powerpoint/2010/main" val="518260806"/>
       </p:ext>
     </p:extLst>
   </p:cSld>
   <p:clrMapOvr>
     <a:masterClrMapping/>
   </p:clrMapOvr>
+  <mc:AlternateContent xmlns:mc="http://schemas.openxmlformats.org/markup-compatibility/2006">
+    <mc:Choice xmlns:p14="http://schemas.microsoft.com/office/powerpoint/2010/main" Requires="p14">
+      <p:transition spd="slow" p14:dur="1500">
+        <p:random/>
+      </p:transition>
+    </mc:Choice>
+    <mc:Fallback>
+      <p:transition spd="slow">
+        <p:random/>
+      </p:transition>
+    </mc:Fallback>
+  </mc:AlternateContent>
+  <p:timing>
+    <p:tnLst>
+      <p:par>
+        <p:cTn id="1" dur="indefinite" restart="never" nodeType="tmRoot"/>
+      </p:par>
+    </p:tnLst>
+  </p:timing>
 </p:sld>
 </file>
 
@@ -14606,7 +15824,7 @@
           <a:p>
             <a:r>
               <a:rPr lang="en-US" dirty="0" smtClean="0"/>
-              <a:t>Define Boss (3)</a:t>
+              <a:t>Hero vs. Enemy</a:t>
             </a:r>
             <a:endParaRPr lang="en-US" dirty="0"/>
           </a:p>
@@ -14624,115 +15842,87 @@
         </p:nvSpPr>
         <p:spPr>
           <a:xfrm>
-            <a:off x="982133" y="1844824"/>
-            <a:ext cx="7704667" cy="4154992"/>
+            <a:off x="899592" y="4293096"/>
+            <a:ext cx="7704667" cy="2138768"/>
           </a:xfrm>
         </p:spPr>
         <p:txBody>
           <a:bodyPr/>
           <a:lstStyle/>
           <a:p>
-            <a:pPr marL="0" indent="0">
-              <a:buNone/>
-            </a:pPr>
-            <a:endParaRPr lang="en-US" dirty="0" smtClean="0"/>
-          </a:p>
-          <a:p>
+            <a:r>
+              <a:rPr lang="en-US" dirty="0" smtClean="0"/>
+              <a:t>Supposedly, the hero is fighting the enemy pig. The pig is faster and strikes first.</a:t>
+            </a:r>
             <a:endParaRPr lang="en-US" dirty="0"/>
           </a:p>
           <a:p>
             <a:r>
-              <a:rPr lang="en-US" dirty="0"/>
-              <a:t>T</a:t>
-            </a:r>
-            <a:r>
               <a:rPr lang="en-US" dirty="0" smtClean="0"/>
-              <a:t>he boss in this game would be a dragon. The boss would be much stronger than the normal enemies and more health. It uses ice magic attacks.</a:t>
+              <a:t>$hero-&gt;hit($pig-&gt;attack); (game12.php)</a:t>
             </a:r>
           </a:p>
           <a:p>
             <a:r>
               <a:rPr lang="en-US" dirty="0" smtClean="0"/>
-              <a:t>game16.php, game17.php</a:t>
-            </a:r>
-            <a:endParaRPr lang="en-US" dirty="0"/>
+              <a:t>$pig-&gt;hit($hero-&gt;attack); (game13.php)</a:t>
+            </a:r>
           </a:p>
         </p:txBody>
       </p:sp>
       <p:pic>
         <p:nvPicPr>
-          <p:cNvPr id="5122" name="Picture 2"/>
+          <p:cNvPr id="4" name="Picture 3"/>
           <p:cNvPicPr>
-            <a:picLocks noChangeAspect="1" noChangeArrowheads="1"/>
+            <a:picLocks noChangeAspect="1"/>
           </p:cNvPicPr>
           <p:nvPr/>
         </p:nvPicPr>
         <p:blipFill>
-          <a:blip r:embed="rId2" cstate="print">
-            <a:extLst>
-              <a:ext uri="{28A0092B-C50C-407E-A947-70E740481C1C}">
-                <a14:useLocalDpi xmlns:a14="http://schemas.microsoft.com/office/drawing/2010/main" val="0"/>
-              </a:ext>
-            </a:extLst>
-          </a:blip>
-          <a:srcRect/>
+          <a:blip r:embed="rId2"/>
           <a:stretch>
             <a:fillRect/>
           </a:stretch>
         </p:blipFill>
-        <p:spPr bwMode="auto">
+        <p:spPr>
           <a:xfrm>
-            <a:off x="3851920" y="1268760"/>
-            <a:ext cx="1800200" cy="2319444"/>
+            <a:off x="2843808" y="1412776"/>
+            <a:ext cx="3840088" cy="2880066"/>
           </a:xfrm>
           <a:prstGeom prst="rect">
             <a:avLst/>
           </a:prstGeom>
-          <a:noFill/>
-          <a:ln>
-            <a:noFill/>
-          </a:ln>
-          <a:effectLst/>
-          <a:extLst>
-            <a:ext uri="{909E8E84-426E-40DD-AFC4-6F175D3DCCD1}">
-              <a14:hiddenFill xmlns:a14="http://schemas.microsoft.com/office/drawing/2010/main">
-                <a:solidFill>
-                  <a:schemeClr val="accent1"/>
-                </a:solidFill>
-              </a14:hiddenFill>
-            </a:ext>
-            <a:ext uri="{91240B29-F687-4F45-9708-019B960494DF}">
-              <a14:hiddenLine xmlns:a14="http://schemas.microsoft.com/office/drawing/2010/main" w="9525">
-                <a:solidFill>
-                  <a:schemeClr val="tx1"/>
-                </a:solidFill>
-                <a:miter lim="800000"/>
-                <a:headEnd/>
-                <a:tailEnd/>
-              </a14:hiddenLine>
-            </a:ext>
-            <a:ext uri="{AF507438-7753-43E0-B8FC-AC1667EBCBE1}">
-              <a14:hiddenEffects xmlns:a14="http://schemas.microsoft.com/office/drawing/2010/main">
-                <a:effectLst>
-                  <a:outerShdw dist="35921" dir="2700000" algn="ctr" rotWithShape="0">
-                    <a:schemeClr val="bg2"/>
-                  </a:outerShdw>
-                </a:effectLst>
-              </a14:hiddenEffects>
-            </a:ext>
-          </a:extLst>
         </p:spPr>
       </p:pic>
     </p:spTree>
     <p:extLst>
       <p:ext uri="{BB962C8B-B14F-4D97-AF65-F5344CB8AC3E}">
-        <p14:creationId xmlns:p14="http://schemas.microsoft.com/office/powerpoint/2010/main" val="2296056486"/>
+        <p14:creationId xmlns:p14="http://schemas.microsoft.com/office/powerpoint/2010/main" val="215694210"/>
       </p:ext>
     </p:extLst>
   </p:cSld>
   <p:clrMapOvr>
     <a:masterClrMapping/>
   </p:clrMapOvr>
+  <mc:AlternateContent xmlns:mc="http://schemas.openxmlformats.org/markup-compatibility/2006">
+    <mc:Choice xmlns:p14="http://schemas.microsoft.com/office/powerpoint/2010/main" Requires="p14">
+      <p:transition spd="slow" p14:dur="1500">
+        <p:random/>
+      </p:transition>
+    </mc:Choice>
+    <mc:Fallback>
+      <p:transition spd="slow">
+        <p:random/>
+      </p:transition>
+    </mc:Fallback>
+  </mc:AlternateContent>
+  <p:timing>
+    <p:tnLst>
+      <p:par>
+        <p:cTn id="1" dur="indefinite" restart="never" nodeType="tmRoot"/>
+      </p:par>
+    </p:tnLst>
+  </p:timing>
 </p:sld>
 </file>
 
